--- a/여성임금 예측프로젝트.pptx
+++ b/여성임금 예측프로젝트.pptx
@@ -18,6 +18,9 @@
     <p:sldId id="268" r:id="rId12"/>
     <p:sldId id="269" r:id="rId13"/>
     <p:sldId id="266" r:id="rId14"/>
+    <p:sldId id="270" r:id="rId15"/>
+    <p:sldId id="271" r:id="rId16"/>
+    <p:sldId id="272" r:id="rId17"/>
   </p:sldIdLst>
   <p:sldSz cx="9906000" cy="6858000" type="A4"/>
   <p:notesSz cx="6858000" cy="9144000"/>
@@ -134,6 +137,9 @@
             <p14:sldId id="268"/>
             <p14:sldId id="269"/>
             <p14:sldId id="266"/>
+            <p14:sldId id="270"/>
+            <p14:sldId id="271"/>
+            <p14:sldId id="272"/>
           </p14:sldIdLst>
         </p14:section>
       </p14:sectionLst>
@@ -471,7 +477,7 @@
           <a:p>
             <a:fld id="{A5AF435E-3484-4E92-A38E-AEA186DB9F40}" type="datetimeFigureOut">
               <a:rPr lang="ko-KR" altLang="en-US" smtClean="0"/>
-              <a:t>2020-08-22</a:t>
+              <a:t>2020-08-24</a:t>
             </a:fld>
             <a:endParaRPr lang="ko-KR" altLang="en-US"/>
           </a:p>
@@ -689,8 +695,8 @@
         </p:nvSpPr>
         <p:spPr>
           <a:xfrm>
-            <a:off x="4963130" y="972261"/>
-            <a:ext cx="4094215" cy="5146919"/>
+            <a:off x="4963130" y="1597306"/>
+            <a:ext cx="4094215" cy="4521874"/>
           </a:xfrm>
           <a:prstGeom prst="rect">
             <a:avLst/>
@@ -756,7 +762,7 @@
         </p:nvGrpSpPr>
         <p:grpSpPr>
           <a:xfrm>
-            <a:off x="5282846" y="1421608"/>
+            <a:off x="5282846" y="2305491"/>
             <a:ext cx="3289654" cy="523220"/>
             <a:chOff x="6309255" y="1328055"/>
             <a:chExt cx="2494303" cy="474101"/>
@@ -869,7 +875,7 @@
         </p:nvGrpSpPr>
         <p:grpSpPr>
           <a:xfrm>
-            <a:off x="5282846" y="2624038"/>
+            <a:off x="5282846" y="3641385"/>
             <a:ext cx="3289654" cy="523220"/>
             <a:chOff x="6309255" y="2750564"/>
             <a:chExt cx="2494303" cy="474101"/>
@@ -982,7 +988,7 @@
         </p:nvGrpSpPr>
         <p:grpSpPr>
           <a:xfrm>
-            <a:off x="5282846" y="3826469"/>
+            <a:off x="5282846" y="4977279"/>
             <a:ext cx="3289654" cy="523220"/>
             <a:chOff x="6309255" y="4155980"/>
             <a:chExt cx="2494303" cy="474101"/>
@@ -1068,142 +1074,15 @@
             <a:lstStyle/>
             <a:p>
               <a:r>
-                <a:rPr lang="ko-KR" altLang="en-US" sz="2400" b="1" dirty="0" err="1">
+                <a:rPr lang="ko-KR" altLang="en-US" sz="2400" b="1" dirty="0">
                   <a:solidFill>
                     <a:sysClr val="windowText" lastClr="000000"/>
                   </a:solidFill>
                   <a:latin typeface="KoPub돋움체 Medium" panose="02020603020101020101" pitchFamily="18" charset="-127"/>
                   <a:ea typeface="KoPub돋움체 Medium" panose="02020603020101020101" pitchFamily="18" charset="-127"/>
                 </a:rPr>
-                <a:t>ㅇㅇ</a:t>
+                <a:t>개선사항</a:t>
               </a:r>
-              <a:endParaRPr lang="ko-KR" altLang="en-US" sz="2400" b="1" dirty="0">
-                <a:solidFill>
-                  <a:sysClr val="windowText" lastClr="000000"/>
-                </a:solidFill>
-                <a:latin typeface="KoPub돋움체 Medium" panose="02020603020101020101" pitchFamily="18" charset="-127"/>
-                <a:ea typeface="KoPub돋움체 Medium" panose="02020603020101020101" pitchFamily="18" charset="-127"/>
-              </a:endParaRPr>
-            </a:p>
-          </p:txBody>
-        </p:sp>
-      </p:grpSp>
-      <p:grpSp>
-        <p:nvGrpSpPr>
-          <p:cNvPr id="31" name="그룹 30">
-            <a:extLst>
-              <a:ext uri="{FF2B5EF4-FFF2-40B4-BE49-F238E27FC236}">
-                <a16:creationId xmlns:a16="http://schemas.microsoft.com/office/drawing/2014/main" id="{27CCE853-7F61-4D5F-882B-F14C3C35613C}"/>
-              </a:ext>
-            </a:extLst>
-          </p:cNvPr>
-          <p:cNvGrpSpPr/>
-          <p:nvPr userDrawn="1"/>
-        </p:nvGrpSpPr>
-        <p:grpSpPr>
-          <a:xfrm>
-            <a:off x="5282846" y="5028900"/>
-            <a:ext cx="3289654" cy="523220"/>
-            <a:chOff x="6309255" y="5473970"/>
-            <a:chExt cx="2494303" cy="474101"/>
-          </a:xfrm>
-        </p:grpSpPr>
-        <p:sp>
-          <p:nvSpPr>
-            <p:cNvPr id="32" name="TextBox 31">
-              <a:extLst>
-                <a:ext uri="{FF2B5EF4-FFF2-40B4-BE49-F238E27FC236}">
-                  <a16:creationId xmlns:a16="http://schemas.microsoft.com/office/drawing/2014/main" id="{8C328977-C4EB-441D-919B-18BF9A9C6C34}"/>
-                </a:ext>
-              </a:extLst>
-            </p:cNvPr>
-            <p:cNvSpPr txBox="1"/>
-            <p:nvPr userDrawn="1"/>
-          </p:nvSpPr>
-          <p:spPr>
-            <a:xfrm>
-              <a:off x="6309255" y="5473970"/>
-              <a:ext cx="380676" cy="474101"/>
-            </a:xfrm>
-            <a:prstGeom prst="rect">
-              <a:avLst/>
-            </a:prstGeom>
-            <a:noFill/>
-          </p:spPr>
-          <p:txBody>
-            <a:bodyPr wrap="none" rtlCol="0">
-              <a:spAutoFit/>
-            </a:bodyPr>
-            <a:lstStyle/>
-            <a:p>
-              <a:pPr defTabSz="914400" latinLnBrk="1">
-                <a:defRPr/>
-              </a:pPr>
-              <a:r>
-                <a:rPr lang="en-US" altLang="ko-KR" sz="2800" b="1" kern="0" dirty="0">
-                  <a:solidFill>
-                    <a:sysClr val="windowText" lastClr="000000"/>
-                  </a:solidFill>
-                  <a:latin typeface="KoPub돋움체 Medium" panose="02020603020101020101" pitchFamily="18" charset="-127"/>
-                  <a:ea typeface="KoPub돋움체 Medium" panose="02020603020101020101" pitchFamily="18" charset="-127"/>
-                </a:rPr>
-                <a:t>Ⅳ</a:t>
-              </a:r>
-              <a:endParaRPr lang="ko-KR" altLang="en-US" sz="2800" b="1" kern="0" dirty="0">
-                <a:solidFill>
-                  <a:sysClr val="windowText" lastClr="000000"/>
-                </a:solidFill>
-                <a:latin typeface="KoPub돋움체 Medium" panose="02020603020101020101" pitchFamily="18" charset="-127"/>
-                <a:ea typeface="KoPub돋움체 Medium" panose="02020603020101020101" pitchFamily="18" charset="-127"/>
-              </a:endParaRPr>
-            </a:p>
-          </p:txBody>
-        </p:sp>
-        <p:sp>
-          <p:nvSpPr>
-            <p:cNvPr id="33" name="TextBox 32">
-              <a:extLst>
-                <a:ext uri="{FF2B5EF4-FFF2-40B4-BE49-F238E27FC236}">
-                  <a16:creationId xmlns:a16="http://schemas.microsoft.com/office/drawing/2014/main" id="{67510A5D-AFF5-4CC5-A027-A1638C7B36A9}"/>
-                </a:ext>
-              </a:extLst>
-            </p:cNvPr>
-            <p:cNvSpPr txBox="1"/>
-            <p:nvPr userDrawn="1"/>
-          </p:nvSpPr>
-          <p:spPr>
-            <a:xfrm>
-              <a:off x="6772583" y="5517364"/>
-              <a:ext cx="2030975" cy="418325"/>
-            </a:xfrm>
-            <a:prstGeom prst="rect">
-              <a:avLst/>
-            </a:prstGeom>
-            <a:noFill/>
-          </p:spPr>
-          <p:txBody>
-            <a:bodyPr wrap="square" rtlCol="0">
-              <a:spAutoFit/>
-            </a:bodyPr>
-            <a:lstStyle/>
-            <a:p>
-              <a:r>
-                <a:rPr lang="en-US" altLang="ko-KR" sz="2400" b="1" dirty="0">
-                  <a:solidFill>
-                    <a:sysClr val="windowText" lastClr="000000"/>
-                  </a:solidFill>
-                  <a:latin typeface="KoPub돋움체 Medium" panose="02020603020101020101" pitchFamily="18" charset="-127"/>
-                  <a:ea typeface="KoPub돋움체 Medium" panose="02020603020101020101" pitchFamily="18" charset="-127"/>
-                </a:rPr>
-                <a:t>00</a:t>
-              </a:r>
-              <a:endParaRPr lang="ko-KR" altLang="en-US" sz="2400" b="1" dirty="0">
-                <a:solidFill>
-                  <a:sysClr val="windowText" lastClr="000000"/>
-                </a:solidFill>
-                <a:latin typeface="KoPub돋움체 Medium" panose="02020603020101020101" pitchFamily="18" charset="-127"/>
-                <a:ea typeface="KoPub돋움체 Medium" panose="02020603020101020101" pitchFamily="18" charset="-127"/>
-              </a:endParaRPr>
             </a:p>
           </p:txBody>
         </p:sp>
@@ -2936,7 +2815,7 @@
           <a:p>
             <a:fld id="{A5AF435E-3484-4E92-A38E-AEA186DB9F40}" type="datetimeFigureOut">
               <a:rPr lang="ko-KR" altLang="en-US" smtClean="0"/>
-              <a:t>2020-08-22</a:t>
+              <a:t>2020-08-24</a:t>
             </a:fld>
             <a:endParaRPr lang="ko-KR" altLang="en-US"/>
           </a:p>
@@ -4271,7 +4150,7 @@
         </p:blipFill>
         <p:spPr bwMode="auto">
           <a:xfrm>
-            <a:off x="509588" y="2364233"/>
+            <a:off x="509588" y="2642525"/>
             <a:ext cx="4231948" cy="3328987"/>
           </a:xfrm>
           <a:prstGeom prst="rect">
@@ -4303,7 +4182,7 @@
         </p:nvSpPr>
         <p:spPr>
           <a:xfrm>
-            <a:off x="2335530" y="2412127"/>
+            <a:off x="2335530" y="2690419"/>
             <a:ext cx="2339340" cy="3184462"/>
           </a:xfrm>
           <a:prstGeom prst="rect">
@@ -4376,7 +4255,7 @@
         </p:blipFill>
         <p:spPr bwMode="auto">
           <a:xfrm>
-            <a:off x="5126366" y="2412127"/>
+            <a:off x="5126366" y="2690419"/>
             <a:ext cx="4143364" cy="3310364"/>
           </a:xfrm>
           <a:prstGeom prst="rect">
@@ -4408,7 +4287,7 @@
         </p:nvSpPr>
         <p:spPr>
           <a:xfrm>
-            <a:off x="1581150" y="2027221"/>
+            <a:off x="1581150" y="2305513"/>
             <a:ext cx="2152650" cy="369332"/>
           </a:xfrm>
           <a:prstGeom prst="rect">
@@ -4472,7 +4351,7 @@
         </p:nvSpPr>
         <p:spPr>
           <a:xfrm>
-            <a:off x="6246814" y="2027221"/>
+            <a:off x="6246814" y="2305513"/>
             <a:ext cx="2152650" cy="369332"/>
           </a:xfrm>
           <a:prstGeom prst="rect">
@@ -4524,10 +4403,10 @@
       </p:sp>
       <p:sp>
         <p:nvSpPr>
-          <p:cNvPr id="12" name="TextBox 11">
+          <p:cNvPr id="16" name="TextBox 15">
             <a:extLst>
               <a:ext uri="{FF2B5EF4-FFF2-40B4-BE49-F238E27FC236}">
-                <a16:creationId xmlns:a16="http://schemas.microsoft.com/office/drawing/2014/main" id="{D937B0E5-CD7A-4B87-92E5-A19D9FC7AADB}"/>
+                <a16:creationId xmlns:a16="http://schemas.microsoft.com/office/drawing/2014/main" id="{B9B66668-909C-47B3-B4D4-57503BDA21F2}"/>
               </a:ext>
             </a:extLst>
           </p:cNvPr>
@@ -4536,8 +4415,8 @@
         </p:nvSpPr>
         <p:spPr>
           <a:xfrm>
-            <a:off x="685800" y="5791200"/>
-            <a:ext cx="3989070" cy="430887"/>
+            <a:off x="415923" y="1807814"/>
+            <a:ext cx="2176008" cy="307777"/>
           </a:xfrm>
           <a:prstGeom prst="rect">
             <a:avLst/>
@@ -4550,114 +4429,113 @@
           </a:bodyPr>
           <a:lstStyle/>
           <a:p>
-            <a:pPr algn="l"/>
-            <a:r>
-              <a:rPr lang="ko-KR" altLang="en-US" sz="1100" dirty="0">
-                <a:latin typeface="KoPub돋움체 Medium" panose="02020603020101020101" pitchFamily="18" charset="-127"/>
-                <a:ea typeface="KoPub돋움체 Medium" panose="02020603020101020101" pitchFamily="18" charset="-127"/>
-              </a:rPr>
-              <a:t>초기 </a:t>
-            </a:r>
-            <a:r>
-              <a:rPr lang="en-US" altLang="ko-KR" sz="1100" dirty="0">
-                <a:latin typeface="KoPub돋움체 Medium" panose="02020603020101020101" pitchFamily="18" charset="-127"/>
-                <a:ea typeface="KoPub돋움체 Medium" panose="02020603020101020101" pitchFamily="18" charset="-127"/>
-              </a:rPr>
-              <a:t>6</a:t>
-            </a:r>
-            <a:r>
-              <a:rPr lang="ko-KR" altLang="en-US" sz="1100" dirty="0">
-                <a:latin typeface="KoPub돋움체 Medium" panose="02020603020101020101" pitchFamily="18" charset="-127"/>
-                <a:ea typeface="KoPub돋움체 Medium" panose="02020603020101020101" pitchFamily="18" charset="-127"/>
-              </a:rPr>
-              <a:t>만개 데이터 </a:t>
-            </a:r>
-            <a:r>
-              <a:rPr lang="en-US" altLang="ko-KR" sz="1100" dirty="0">
-                <a:latin typeface="KoPub돋움체 Medium" panose="02020603020101020101" pitchFamily="18" charset="-127"/>
-                <a:ea typeface="KoPub돋움체 Medium" panose="02020603020101020101" pitchFamily="18" charset="-127"/>
-                <a:sym typeface="Wingdings" panose="05000000000000000000" pitchFamily="2" charset="2"/>
-              </a:rPr>
-              <a:t> </a:t>
-            </a:r>
-            <a:r>
-              <a:rPr lang="ko-KR" altLang="en-US" sz="1100" dirty="0">
-                <a:latin typeface="KoPub돋움체 Medium" panose="02020603020101020101" pitchFamily="18" charset="-127"/>
-                <a:ea typeface="KoPub돋움체 Medium" panose="02020603020101020101" pitchFamily="18" charset="-127"/>
-                <a:sym typeface="Wingdings" panose="05000000000000000000" pitchFamily="2" charset="2"/>
-              </a:rPr>
-              <a:t>조사 차수</a:t>
-            </a:r>
-            <a:r>
-              <a:rPr lang="en-US" altLang="ko-KR" sz="1100" dirty="0">
-                <a:latin typeface="KoPub돋움체 Medium" panose="02020603020101020101" pitchFamily="18" charset="-127"/>
-                <a:ea typeface="KoPub돋움체 Medium" panose="02020603020101020101" pitchFamily="18" charset="-127"/>
-                <a:sym typeface="Wingdings" panose="05000000000000000000" pitchFamily="2" charset="2"/>
-              </a:rPr>
-              <a:t>, </a:t>
-            </a:r>
-            <a:r>
-              <a:rPr lang="ko-KR" altLang="en-US" sz="1100" dirty="0">
-                <a:latin typeface="KoPub돋움체 Medium" panose="02020603020101020101" pitchFamily="18" charset="-127"/>
-                <a:ea typeface="KoPub돋움체 Medium" panose="02020603020101020101" pitchFamily="18" charset="-127"/>
-                <a:sym typeface="Wingdings" panose="05000000000000000000" pitchFamily="2" charset="2"/>
-              </a:rPr>
-              <a:t>첫 직장 </a:t>
-            </a:r>
-            <a:r>
-              <a:rPr lang="ko-KR" altLang="en-US" sz="1100" dirty="0" err="1">
-                <a:latin typeface="KoPub돋움체 Medium" panose="02020603020101020101" pitchFamily="18" charset="-127"/>
-                <a:ea typeface="KoPub돋움체 Medium" panose="02020603020101020101" pitchFamily="18" charset="-127"/>
-                <a:sym typeface="Wingdings" panose="05000000000000000000" pitchFamily="2" charset="2"/>
-              </a:rPr>
-              <a:t>입직년도</a:t>
-            </a:r>
-            <a:r>
-              <a:rPr lang="en-US" altLang="ko-KR" sz="1100" dirty="0">
-                <a:latin typeface="KoPub돋움체 Medium" panose="02020603020101020101" pitchFamily="18" charset="-127"/>
-                <a:ea typeface="KoPub돋움체 Medium" panose="02020603020101020101" pitchFamily="18" charset="-127"/>
-                <a:sym typeface="Wingdings" panose="05000000000000000000" pitchFamily="2" charset="2"/>
-              </a:rPr>
-              <a:t>, 60</a:t>
-            </a:r>
-            <a:r>
-              <a:rPr lang="ko-KR" altLang="en-US" sz="1100" dirty="0">
-                <a:latin typeface="KoPub돋움체 Medium" panose="02020603020101020101" pitchFamily="18" charset="-127"/>
-                <a:ea typeface="KoPub돋움체 Medium" panose="02020603020101020101" pitchFamily="18" charset="-127"/>
-                <a:sym typeface="Wingdings" panose="05000000000000000000" pitchFamily="2" charset="2"/>
-              </a:rPr>
-              <a:t>세 이하 선별 후 </a:t>
-            </a:r>
-            <a:r>
-              <a:rPr lang="ko-KR" altLang="en-US" sz="1100" dirty="0" err="1">
-                <a:latin typeface="KoPub돋움체 Medium" panose="02020603020101020101" pitchFamily="18" charset="-127"/>
-                <a:ea typeface="KoPub돋움체 Medium" panose="02020603020101020101" pitchFamily="18" charset="-127"/>
-                <a:sym typeface="Wingdings" panose="05000000000000000000" pitchFamily="2" charset="2"/>
+            <a:pPr algn="ctr"/>
+            <a:r>
+              <a:rPr lang="ko-KR" altLang="en-US" sz="1400" b="1" dirty="0" err="1">
+                <a:solidFill>
+                  <a:schemeClr val="bg1"/>
+                </a:solidFill>
+                <a:effectLst>
+                  <a:outerShdw blurRad="38100" dist="38100" dir="2700000" algn="tl">
+                    <a:srgbClr val="000000">
+                      <a:alpha val="43137"/>
+                    </a:srgbClr>
+                  </a:outerShdw>
+                </a:effectLst>
+                <a:highlight>
+                  <a:srgbClr val="008080"/>
+                </a:highlight>
+                <a:latin typeface="KoPub돋움체 Medium" panose="02020603020101020101" pitchFamily="18" charset="-127"/>
+                <a:ea typeface="KoPub돋움체 Medium" panose="02020603020101020101" pitchFamily="18" charset="-127"/>
               </a:rPr>
               <a:t>결측치</a:t>
             </a:r>
             <a:r>
-              <a:rPr lang="ko-KR" altLang="en-US" sz="1100" dirty="0">
-                <a:latin typeface="KoPub돋움체 Medium" panose="02020603020101020101" pitchFamily="18" charset="-127"/>
-                <a:ea typeface="KoPub돋움체 Medium" panose="02020603020101020101" pitchFamily="18" charset="-127"/>
-                <a:sym typeface="Wingdings" panose="05000000000000000000" pitchFamily="2" charset="2"/>
-              </a:rPr>
-              <a:t> 처리</a:t>
-            </a:r>
-            <a:endParaRPr lang="en-US" altLang="ko-KR" sz="1100" dirty="0">
+              <a:rPr lang="ko-KR" altLang="en-US" sz="1400" b="1" dirty="0">
+                <a:solidFill>
+                  <a:schemeClr val="bg1"/>
+                </a:solidFill>
+                <a:effectLst>
+                  <a:outerShdw blurRad="38100" dist="38100" dir="2700000" algn="tl">
+                    <a:srgbClr val="000000">
+                      <a:alpha val="43137"/>
+                    </a:srgbClr>
+                  </a:outerShdw>
+                </a:effectLst>
+                <a:highlight>
+                  <a:srgbClr val="008080"/>
+                </a:highlight>
+                <a:latin typeface="KoPub돋움체 Medium" panose="02020603020101020101" pitchFamily="18" charset="-127"/>
+                <a:ea typeface="KoPub돋움체 Medium" panose="02020603020101020101" pitchFamily="18" charset="-127"/>
+              </a:rPr>
+              <a:t> 확인 및 제거 </a:t>
+            </a:r>
+            <a:r>
+              <a:rPr lang="en-US" altLang="ko-KR" sz="1400" b="1" dirty="0">
+                <a:solidFill>
+                  <a:schemeClr val="bg1"/>
+                </a:solidFill>
+                <a:effectLst>
+                  <a:outerShdw blurRad="38100" dist="38100" dir="2700000" algn="tl">
+                    <a:srgbClr val="000000">
+                      <a:alpha val="43137"/>
+                    </a:srgbClr>
+                  </a:outerShdw>
+                </a:effectLst>
+                <a:highlight>
+                  <a:srgbClr val="008080"/>
+                </a:highlight>
+                <a:latin typeface="KoPub돋움체 Medium" panose="02020603020101020101" pitchFamily="18" charset="-127"/>
+                <a:ea typeface="KoPub돋움체 Medium" panose="02020603020101020101" pitchFamily="18" charset="-127"/>
+              </a:rPr>
+              <a:t>&amp; </a:t>
+            </a:r>
+            <a:r>
+              <a:rPr lang="ko-KR" altLang="en-US" sz="1400" b="1" dirty="0">
+                <a:solidFill>
+                  <a:schemeClr val="bg1"/>
+                </a:solidFill>
+                <a:effectLst>
+                  <a:outerShdw blurRad="38100" dist="38100" dir="2700000" algn="tl">
+                    <a:srgbClr val="000000">
+                      <a:alpha val="43137"/>
+                    </a:srgbClr>
+                  </a:outerShdw>
+                </a:effectLst>
+                <a:highlight>
+                  <a:srgbClr val="008080"/>
+                </a:highlight>
+                <a:latin typeface="KoPub돋움체 Medium" panose="02020603020101020101" pitchFamily="18" charset="-127"/>
+                <a:ea typeface="KoPub돋움체 Medium" panose="02020603020101020101" pitchFamily="18" charset="-127"/>
+              </a:rPr>
+              <a:t>대체</a:t>
+            </a:r>
+            <a:endParaRPr lang="en-US" altLang="ko-KR" sz="1400" b="1" dirty="0">
+              <a:solidFill>
+                <a:schemeClr val="bg1"/>
+              </a:solidFill>
+              <a:effectLst>
+                <a:outerShdw blurRad="38100" dist="38100" dir="2700000" algn="tl">
+                  <a:srgbClr val="000000">
+                    <a:alpha val="43137"/>
+                  </a:srgbClr>
+                </a:outerShdw>
+              </a:effectLst>
+              <a:highlight>
+                <a:srgbClr val="008080"/>
+              </a:highlight>
               <a:latin typeface="KoPub돋움체 Medium" panose="02020603020101020101" pitchFamily="18" charset="-127"/>
               <a:ea typeface="KoPub돋움체 Medium" panose="02020603020101020101" pitchFamily="18" charset="-127"/>
-              <a:sym typeface="Wingdings" panose="05000000000000000000" pitchFamily="2" charset="2"/>
             </a:endParaRPr>
           </a:p>
         </p:txBody>
       </p:sp>
       <p:sp>
         <p:nvSpPr>
-          <p:cNvPr id="18" name="TextBox 17">
+          <p:cNvPr id="17" name="TextBox 16">
             <a:extLst>
               <a:ext uri="{FF2B5EF4-FFF2-40B4-BE49-F238E27FC236}">
-                <a16:creationId xmlns:a16="http://schemas.microsoft.com/office/drawing/2014/main" id="{2F9F3467-4FE5-4E4E-82EA-92FE6D51C6FB}"/>
+                <a16:creationId xmlns:a16="http://schemas.microsoft.com/office/drawing/2014/main" id="{5B60173D-E6EF-4570-9688-57BB8834C315}"/>
               </a:ext>
             </a:extLst>
           </p:cNvPr>
@@ -4666,8 +4544,8 @@
         </p:nvSpPr>
         <p:spPr>
           <a:xfrm>
-            <a:off x="5231130" y="5791199"/>
-            <a:ext cx="3989070" cy="261610"/>
+            <a:off x="2510759" y="1807814"/>
+            <a:ext cx="1486243" cy="307777"/>
           </a:xfrm>
           <a:prstGeom prst="rect">
             <a:avLst/>
@@ -4680,25 +4558,47 @@
           </a:bodyPr>
           <a:lstStyle/>
           <a:p>
-            <a:pPr algn="ctr"/>
-            <a:r>
-              <a:rPr lang="en-US" altLang="ko-KR" sz="1100" dirty="0">
-                <a:latin typeface="KoPub돋움체 Medium" panose="02020603020101020101" pitchFamily="18" charset="-127"/>
-                <a:ea typeface="KoPub돋움체 Medium" panose="02020603020101020101" pitchFamily="18" charset="-127"/>
-              </a:rPr>
-              <a:t>1245</a:t>
-            </a:r>
-            <a:r>
-              <a:rPr lang="ko-KR" altLang="en-US" sz="1100" dirty="0">
-                <a:latin typeface="KoPub돋움체 Medium" panose="02020603020101020101" pitchFamily="18" charset="-127"/>
-                <a:ea typeface="KoPub돋움체 Medium" panose="02020603020101020101" pitchFamily="18" charset="-127"/>
-              </a:rPr>
-              <a:t>개 데이터 </a:t>
-            </a:r>
-            <a:endParaRPr lang="en-US" altLang="ko-KR" sz="1100" dirty="0">
+            <a:pPr algn="ctr">
+              <a:tabLst>
+                <a:tab pos="85725" algn="l"/>
+              </a:tabLst>
+            </a:pPr>
+            <a:r>
+              <a:rPr lang="ko-KR" altLang="en-US" sz="1400" b="1" dirty="0">
+                <a:solidFill>
+                  <a:schemeClr val="bg1"/>
+                </a:solidFill>
+                <a:effectLst>
+                  <a:outerShdw blurRad="38100" dist="38100" dir="2700000" algn="tl">
+                    <a:srgbClr val="000000">
+                      <a:alpha val="43137"/>
+                    </a:srgbClr>
+                  </a:outerShdw>
+                </a:effectLst>
+                <a:highlight>
+                  <a:srgbClr val="008080"/>
+                </a:highlight>
+                <a:latin typeface="KoPub돋움체 Medium" panose="02020603020101020101" pitchFamily="18" charset="-127"/>
+                <a:ea typeface="KoPub돋움체 Medium" panose="02020603020101020101" pitchFamily="18" charset="-127"/>
+              </a:rPr>
+              <a:t>노후 데이터 제거</a:t>
+            </a:r>
+            <a:endParaRPr lang="en-US" altLang="ko-KR" sz="1400" b="1" dirty="0">
+              <a:solidFill>
+                <a:schemeClr val="bg1"/>
+              </a:solidFill>
+              <a:effectLst>
+                <a:outerShdw blurRad="38100" dist="38100" dir="2700000" algn="tl">
+                  <a:srgbClr val="000000">
+                    <a:alpha val="43137"/>
+                  </a:srgbClr>
+                </a:outerShdw>
+              </a:effectLst>
+              <a:highlight>
+                <a:srgbClr val="008080"/>
+              </a:highlight>
               <a:latin typeface="KoPub돋움체 Medium" panose="02020603020101020101" pitchFamily="18" charset="-127"/>
               <a:ea typeface="KoPub돋움체 Medium" panose="02020603020101020101" pitchFamily="18" charset="-127"/>
-              <a:sym typeface="Wingdings" panose="05000000000000000000" pitchFamily="2" charset="2"/>
             </a:endParaRPr>
           </a:p>
         </p:txBody>
@@ -4747,8 +4647,8 @@
         </p:nvSpPr>
         <p:spPr>
           <a:xfrm>
-            <a:off x="4737098" y="2517368"/>
-            <a:ext cx="4562475" cy="3413532"/>
+            <a:off x="4737098" y="2679803"/>
+            <a:ext cx="4562475" cy="3393336"/>
           </a:xfrm>
           <a:prstGeom prst="rect">
             <a:avLst/>
@@ -5597,7 +5497,7 @@
         </p:nvSpPr>
         <p:spPr>
           <a:xfrm>
-            <a:off x="1344612" y="2027221"/>
+            <a:off x="1344612" y="2245879"/>
             <a:ext cx="2152650" cy="369332"/>
           </a:xfrm>
           <a:prstGeom prst="rect">
@@ -5654,7 +5554,7 @@
         </p:nvSpPr>
         <p:spPr>
           <a:xfrm>
-            <a:off x="5857083" y="2027221"/>
+            <a:off x="5857083" y="2245879"/>
             <a:ext cx="2152650" cy="369332"/>
           </a:xfrm>
           <a:prstGeom prst="rect">
@@ -5711,8 +5611,8 @@
         </p:nvGrpSpPr>
         <p:grpSpPr>
           <a:xfrm>
-            <a:off x="606423" y="2501962"/>
-            <a:ext cx="3698879" cy="3428938"/>
+            <a:off x="606423" y="2664905"/>
+            <a:ext cx="3698879" cy="3408234"/>
             <a:chOff x="606424" y="2620434"/>
             <a:chExt cx="3597276" cy="2807312"/>
           </a:xfrm>
@@ -6197,6 +6097,62 @@
           </p:txBody>
         </p:sp>
       </p:grpSp>
+      <p:sp>
+        <p:nvSpPr>
+          <p:cNvPr id="19" name="TextBox 18">
+            <a:extLst>
+              <a:ext uri="{FF2B5EF4-FFF2-40B4-BE49-F238E27FC236}">
+                <a16:creationId xmlns:a16="http://schemas.microsoft.com/office/drawing/2014/main" id="{8710CC3B-5EBC-43A6-9554-ACED7FD361DF}"/>
+              </a:ext>
+            </a:extLst>
+          </p:cNvPr>
+          <p:cNvSpPr txBox="1"/>
+          <p:nvPr/>
+        </p:nvSpPr>
+        <p:spPr>
+          <a:xfrm>
+            <a:off x="344487" y="1810430"/>
+            <a:ext cx="1486244" cy="307777"/>
+          </a:xfrm>
+          <a:prstGeom prst="rect">
+            <a:avLst/>
+          </a:prstGeom>
+          <a:noFill/>
+        </p:spPr>
+        <p:txBody>
+          <a:bodyPr wrap="square" rtlCol="0">
+            <a:spAutoFit/>
+          </a:bodyPr>
+          <a:lstStyle/>
+          <a:p>
+            <a:pPr algn="ctr"/>
+            <a:r>
+              <a:rPr lang="ko-KR" altLang="en-US" sz="1400" b="1" dirty="0">
+                <a:solidFill>
+                  <a:schemeClr val="bg1"/>
+                </a:solidFill>
+                <a:effectLst>
+                  <a:outerShdw blurRad="38100" dist="38100" dir="2700000" algn="tl">
+                    <a:srgbClr val="000000">
+                      <a:alpha val="43137"/>
+                    </a:srgbClr>
+                  </a:outerShdw>
+                </a:effectLst>
+                <a:highlight>
+                  <a:srgbClr val="008080"/>
+                </a:highlight>
+                <a:latin typeface="KoPub돋움체 Medium" panose="02020603020101020101" pitchFamily="18" charset="-127"/>
+                <a:ea typeface="KoPub돋움체 Medium" panose="02020603020101020101" pitchFamily="18" charset="-127"/>
+              </a:rPr>
+              <a:t>경력 데이터 삽입</a:t>
+            </a:r>
+            <a:endParaRPr lang="ko-KR" altLang="en-US" sz="1200" dirty="0">
+              <a:latin typeface="KoPub돋움체 Medium" panose="02020603020101020101" pitchFamily="18" charset="-127"/>
+              <a:ea typeface="KoPub돋움체 Medium" panose="02020603020101020101" pitchFamily="18" charset="-127"/>
+            </a:endParaRPr>
+          </a:p>
+        </p:txBody>
+      </p:sp>
     </p:spTree>
     <p:extLst>
       <p:ext uri="{BB962C8B-B14F-4D97-AF65-F5344CB8AC3E}">
@@ -6241,7 +6197,7 @@
         </p:nvSpPr>
         <p:spPr>
           <a:xfrm>
-            <a:off x="4737098" y="2517368"/>
+            <a:off x="4737098" y="2619529"/>
             <a:ext cx="4562475" cy="3413532"/>
           </a:xfrm>
           <a:prstGeom prst="rect">
@@ -6858,7 +6814,7 @@
         </p:nvSpPr>
         <p:spPr>
           <a:xfrm>
-            <a:off x="1344612" y="2027221"/>
+            <a:off x="1344612" y="2216062"/>
             <a:ext cx="2152650" cy="369332"/>
           </a:xfrm>
           <a:prstGeom prst="rect">
@@ -6915,7 +6871,7 @@
         </p:nvSpPr>
         <p:spPr>
           <a:xfrm>
-            <a:off x="5857083" y="2027221"/>
+            <a:off x="5857083" y="2216062"/>
             <a:ext cx="2152650" cy="369332"/>
           </a:xfrm>
           <a:prstGeom prst="rect">
@@ -6972,8 +6928,8 @@
         </p:nvGrpSpPr>
         <p:grpSpPr>
           <a:xfrm>
-            <a:off x="606424" y="2500261"/>
-            <a:ext cx="3625422" cy="3717503"/>
+            <a:off x="606423" y="2619529"/>
+            <a:ext cx="3746915" cy="3430639"/>
             <a:chOff x="606425" y="2619041"/>
             <a:chExt cx="3525837" cy="3043563"/>
           </a:xfrm>
@@ -7529,6 +7485,75 @@
           </p:txBody>
         </p:sp>
       </p:grpSp>
+      <p:sp>
+        <p:nvSpPr>
+          <p:cNvPr id="16" name="TextBox 15">
+            <a:extLst>
+              <a:ext uri="{FF2B5EF4-FFF2-40B4-BE49-F238E27FC236}">
+                <a16:creationId xmlns:a16="http://schemas.microsoft.com/office/drawing/2014/main" id="{10FFF71F-894D-4D5E-9A18-9E979FBC643E}"/>
+              </a:ext>
+            </a:extLst>
+          </p:cNvPr>
+          <p:cNvSpPr txBox="1"/>
+          <p:nvPr/>
+        </p:nvSpPr>
+        <p:spPr>
+          <a:xfrm>
+            <a:off x="355517" y="1825938"/>
+            <a:ext cx="1978188" cy="307777"/>
+          </a:xfrm>
+          <a:prstGeom prst="rect">
+            <a:avLst/>
+          </a:prstGeom>
+          <a:noFill/>
+        </p:spPr>
+        <p:txBody>
+          <a:bodyPr wrap="square" rtlCol="0">
+            <a:spAutoFit/>
+          </a:bodyPr>
+          <a:lstStyle/>
+          <a:p>
+            <a:pPr algn="ctr"/>
+            <a:r>
+              <a:rPr lang="ko-KR" altLang="en-US" sz="1400" b="1" dirty="0">
+                <a:solidFill>
+                  <a:schemeClr val="bg1"/>
+                </a:solidFill>
+                <a:effectLst>
+                  <a:outerShdw blurRad="38100" dist="38100" dir="2700000" algn="tl">
+                    <a:srgbClr val="000000">
+                      <a:alpha val="43137"/>
+                    </a:srgbClr>
+                  </a:outerShdw>
+                </a:effectLst>
+                <a:highlight>
+                  <a:srgbClr val="008080"/>
+                </a:highlight>
+                <a:latin typeface="KoPub돋움체 Medium" panose="02020603020101020101" pitchFamily="18" charset="-127"/>
+                <a:ea typeface="KoPub돋움체 Medium" panose="02020603020101020101" pitchFamily="18" charset="-127"/>
+              </a:rPr>
+              <a:t>범주형 변수 데이터 변환</a:t>
+            </a:r>
+            <a:endParaRPr lang="en-US" altLang="ko-KR" sz="1400" b="1" dirty="0">
+              <a:solidFill>
+                <a:schemeClr val="bg1"/>
+              </a:solidFill>
+              <a:effectLst>
+                <a:outerShdw blurRad="38100" dist="38100" dir="2700000" algn="tl">
+                  <a:srgbClr val="000000">
+                    <a:alpha val="43137"/>
+                  </a:srgbClr>
+                </a:outerShdw>
+              </a:effectLst>
+              <a:highlight>
+                <a:srgbClr val="008080"/>
+              </a:highlight>
+              <a:latin typeface="KoPub돋움체 Medium" panose="02020603020101020101" pitchFamily="18" charset="-127"/>
+              <a:ea typeface="KoPub돋움체 Medium" panose="02020603020101020101" pitchFamily="18" charset="-127"/>
+            </a:endParaRPr>
+          </a:p>
+        </p:txBody>
+      </p:sp>
     </p:spTree>
     <p:extLst>
       <p:ext uri="{BB962C8B-B14F-4D97-AF65-F5344CB8AC3E}">
@@ -7975,10 +8000,454 @@
       </p:sp>
       <p:sp>
         <p:nvSpPr>
-          <p:cNvPr id="4" name="직사각형 3">
+          <p:cNvPr id="9" name="TextBox 8">
             <a:extLst>
               <a:ext uri="{FF2B5EF4-FFF2-40B4-BE49-F238E27FC236}">
-                <a16:creationId xmlns:a16="http://schemas.microsoft.com/office/drawing/2014/main" id="{32B0B721-65B7-4BA2-9051-E48CFB0C04FE}"/>
+                <a16:creationId xmlns:a16="http://schemas.microsoft.com/office/drawing/2014/main" id="{24779D86-F0A9-4C28-B97A-665375F0B7A5}"/>
+              </a:ext>
+            </a:extLst>
+          </p:cNvPr>
+          <p:cNvSpPr txBox="1"/>
+          <p:nvPr/>
+        </p:nvSpPr>
+        <p:spPr>
+          <a:xfrm>
+            <a:off x="1344612" y="2027221"/>
+            <a:ext cx="2152650" cy="369332"/>
+          </a:xfrm>
+          <a:prstGeom prst="rect">
+            <a:avLst/>
+          </a:prstGeom>
+          <a:noFill/>
+        </p:spPr>
+        <p:txBody>
+          <a:bodyPr wrap="square" rtlCol="0">
+            <a:spAutoFit/>
+          </a:bodyPr>
+          <a:lstStyle/>
+          <a:p>
+            <a:r>
+              <a:rPr lang="en-US" altLang="ko-KR" b="1" dirty="0"/>
+              <a:t>&lt;</a:t>
+            </a:r>
+            <a:r>
+              <a:rPr lang="ko-KR" altLang="en-US" b="1" dirty="0"/>
+              <a:t>최종 선정 변수</a:t>
+            </a:r>
+            <a:r>
+              <a:rPr lang="en-US" altLang="ko-KR" b="1" dirty="0"/>
+              <a:t>&gt;</a:t>
+            </a:r>
+            <a:endParaRPr lang="ko-KR" altLang="en-US" dirty="0"/>
+          </a:p>
+        </p:txBody>
+      </p:sp>
+      <p:sp>
+        <p:nvSpPr>
+          <p:cNvPr id="6" name="Rectangle 1">
+            <a:extLst>
+              <a:ext uri="{FF2B5EF4-FFF2-40B4-BE49-F238E27FC236}">
+                <a16:creationId xmlns:a16="http://schemas.microsoft.com/office/drawing/2014/main" id="{DBBA8CE1-04D0-4C9A-9893-1C4B3C48812A}"/>
+              </a:ext>
+            </a:extLst>
+          </p:cNvPr>
+          <p:cNvSpPr>
+            <a:spLocks noChangeArrowheads="1"/>
+          </p:cNvSpPr>
+          <p:nvPr/>
+        </p:nvSpPr>
+        <p:spPr bwMode="auto">
+          <a:xfrm>
+            <a:off x="2174735" y="2518465"/>
+            <a:ext cx="5780922" cy="810413"/>
+          </a:xfrm>
+          <a:prstGeom prst="rect">
+            <a:avLst/>
+          </a:prstGeom>
+          <a:noFill/>
+          <a:ln>
+            <a:noFill/>
+          </a:ln>
+          <a:effectLst/>
+          <a:extLst>
+            <a:ext uri="{909E8E84-426E-40DD-AFC4-6F175D3DCCD1}">
+              <a14:hiddenFill xmlns:a14="http://schemas.microsoft.com/office/drawing/2010/main">
+                <a:solidFill>
+                  <a:schemeClr val="accent1"/>
+                </a:solidFill>
+              </a14:hiddenFill>
+            </a:ext>
+            <a:ext uri="{91240B29-F687-4F45-9708-019B960494DF}">
+              <a14:hiddenLine xmlns:a14="http://schemas.microsoft.com/office/drawing/2010/main" w="9525">
+                <a:solidFill>
+                  <a:schemeClr val="tx1"/>
+                </a:solidFill>
+                <a:miter lim="800000"/>
+                <a:headEnd/>
+                <a:tailEnd/>
+              </a14:hiddenLine>
+            </a:ext>
+            <a:ext uri="{AF507438-7753-43E0-B8FC-AC1667EBCBE1}">
+              <a14:hiddenEffects xmlns:a14="http://schemas.microsoft.com/office/drawing/2010/main">
+                <a:effectLst>
+                  <a:outerShdw dist="35921" dir="2700000" algn="ctr" rotWithShape="0">
+                    <a:schemeClr val="bg2"/>
+                  </a:outerShdw>
+                </a:effectLst>
+              </a14:hiddenEffects>
+            </a:ext>
+          </a:extLst>
+        </p:spPr>
+        <p:txBody>
+          <a:bodyPr vert="horz" wrap="none" lIns="91440" tIns="0" rIns="91440" bIns="0" numCol="2" anchor="ctr" anchorCtr="0" compatLnSpc="1">
+            <a:prstTxWarp prst="textNoShape">
+              <a:avLst/>
+            </a:prstTxWarp>
+            <a:noAutofit/>
+          </a:bodyPr>
+          <a:lstStyle/>
+          <a:p>
+            <a:pPr marL="0" marR="0" lvl="0" indent="0" algn="l" defTabSz="914400" rtl="0" eaLnBrk="0" fontAlgn="base" latinLnBrk="0" hangingPunct="0">
+              <a:lnSpc>
+                <a:spcPct val="100000"/>
+              </a:lnSpc>
+              <a:spcBef>
+                <a:spcPct val="0"/>
+              </a:spcBef>
+              <a:spcAft>
+                <a:spcPct val="0"/>
+              </a:spcAft>
+              <a:buClrTx/>
+              <a:buSzTx/>
+              <a:buFontTx/>
+              <a:buChar char="•"/>
+              <a:tabLst/>
+            </a:pPr>
+            <a:r>
+              <a:rPr kumimoji="0" lang="ko-KR" altLang="ko-KR" sz="1600" b="0" i="0" u="none" strike="noStrike" cap="none" normalizeH="0" baseline="0" dirty="0">
+                <a:ln>
+                  <a:noFill/>
+                </a:ln>
+                <a:solidFill>
+                  <a:srgbClr val="000000"/>
+                </a:solidFill>
+                <a:effectLst/>
+                <a:latin typeface="Arial" panose="020B0604020202020204" pitchFamily="34" charset="0"/>
+                <a:cs typeface="Arial" panose="020B0604020202020204" pitchFamily="34" charset="0"/>
+              </a:rPr>
+              <a:t>연령</a:t>
+            </a:r>
+          </a:p>
+          <a:p>
+            <a:pPr marL="0" marR="0" lvl="0" indent="0" algn="l" defTabSz="914400" rtl="0" eaLnBrk="0" fontAlgn="base" latinLnBrk="0" hangingPunct="0">
+              <a:lnSpc>
+                <a:spcPct val="100000"/>
+              </a:lnSpc>
+              <a:spcBef>
+                <a:spcPct val="0"/>
+              </a:spcBef>
+              <a:spcAft>
+                <a:spcPct val="0"/>
+              </a:spcAft>
+              <a:buClrTx/>
+              <a:buSzTx/>
+              <a:buFontTx/>
+              <a:buChar char="•"/>
+              <a:tabLst/>
+            </a:pPr>
+            <a:r>
+              <a:rPr kumimoji="0" lang="ko-KR" altLang="ko-KR" sz="1600" b="0" i="0" u="none" strike="noStrike" cap="none" normalizeH="0" baseline="0" dirty="0">
+                <a:ln>
+                  <a:noFill/>
+                </a:ln>
+                <a:solidFill>
+                  <a:srgbClr val="000000"/>
+                </a:solidFill>
+                <a:effectLst/>
+                <a:latin typeface="Arial" panose="020B0604020202020204" pitchFamily="34" charset="0"/>
+                <a:cs typeface="Arial" panose="020B0604020202020204" pitchFamily="34" charset="0"/>
+              </a:rPr>
+              <a:t>경력</a:t>
+            </a:r>
+          </a:p>
+          <a:p>
+            <a:pPr marL="0" marR="0" lvl="0" indent="0" algn="l" defTabSz="914400" rtl="0" eaLnBrk="0" fontAlgn="base" latinLnBrk="0" hangingPunct="0">
+              <a:lnSpc>
+                <a:spcPct val="100000"/>
+              </a:lnSpc>
+              <a:spcBef>
+                <a:spcPct val="0"/>
+              </a:spcBef>
+              <a:spcAft>
+                <a:spcPct val="0"/>
+              </a:spcAft>
+              <a:buClrTx/>
+              <a:buSzTx/>
+              <a:buFontTx/>
+              <a:buChar char="•"/>
+              <a:tabLst/>
+            </a:pPr>
+            <a:r>
+              <a:rPr kumimoji="0" lang="ko-KR" altLang="ko-KR" sz="1600" b="0" i="0" u="none" strike="noStrike" cap="none" normalizeH="0" baseline="0" dirty="0">
+                <a:ln>
+                  <a:noFill/>
+                </a:ln>
+                <a:solidFill>
+                  <a:srgbClr val="000000"/>
+                </a:solidFill>
+                <a:effectLst/>
+                <a:latin typeface="Arial" panose="020B0604020202020204" pitchFamily="34" charset="0"/>
+                <a:cs typeface="Arial" panose="020B0604020202020204" pitchFamily="34" charset="0"/>
+              </a:rPr>
+              <a:t>대학</a:t>
+            </a:r>
+            <a:r>
+              <a:rPr kumimoji="0" lang="en-US" altLang="ko-KR" sz="1600" b="0" i="0" u="none" strike="noStrike" cap="none" normalizeH="0" baseline="0" dirty="0">
+                <a:ln>
+                  <a:noFill/>
+                </a:ln>
+                <a:solidFill>
+                  <a:srgbClr val="000000"/>
+                </a:solidFill>
+                <a:effectLst/>
+                <a:latin typeface="Arial" panose="020B0604020202020204" pitchFamily="34" charset="0"/>
+                <a:cs typeface="Arial" panose="020B0604020202020204" pitchFamily="34" charset="0"/>
+              </a:rPr>
+              <a:t> </a:t>
+            </a:r>
+            <a:r>
+              <a:rPr kumimoji="0" lang="ko-KR" altLang="ko-KR" sz="1600" b="0" i="0" u="none" strike="noStrike" cap="none" normalizeH="0" baseline="0" dirty="0" err="1">
+                <a:ln>
+                  <a:noFill/>
+                </a:ln>
+                <a:solidFill>
+                  <a:srgbClr val="000000"/>
+                </a:solidFill>
+                <a:effectLst/>
+                <a:latin typeface="Arial" panose="020B0604020202020204" pitchFamily="34" charset="0"/>
+                <a:cs typeface="Arial" panose="020B0604020202020204" pitchFamily="34" charset="0"/>
+              </a:rPr>
+              <a:t>소재지:서울</a:t>
+            </a:r>
+            <a:endParaRPr kumimoji="0" lang="ko-KR" altLang="ko-KR" sz="1600" b="0" i="0" u="none" strike="noStrike" cap="none" normalizeH="0" baseline="0" dirty="0">
+              <a:ln>
+                <a:noFill/>
+              </a:ln>
+              <a:solidFill>
+                <a:srgbClr val="000000"/>
+              </a:solidFill>
+              <a:effectLst/>
+              <a:latin typeface="Arial" panose="020B0604020202020204" pitchFamily="34" charset="0"/>
+              <a:cs typeface="Arial" panose="020B0604020202020204" pitchFamily="34" charset="0"/>
+            </a:endParaRPr>
+          </a:p>
+          <a:p>
+            <a:pPr marL="0" marR="0" lvl="0" indent="0" algn="l" defTabSz="914400" rtl="0" eaLnBrk="0" fontAlgn="base" latinLnBrk="0" hangingPunct="0">
+              <a:lnSpc>
+                <a:spcPct val="100000"/>
+              </a:lnSpc>
+              <a:spcBef>
+                <a:spcPct val="0"/>
+              </a:spcBef>
+              <a:spcAft>
+                <a:spcPct val="0"/>
+              </a:spcAft>
+              <a:buClrTx/>
+              <a:buSzTx/>
+              <a:buFontTx/>
+              <a:buChar char="•"/>
+              <a:tabLst/>
+            </a:pPr>
+            <a:r>
+              <a:rPr kumimoji="0" lang="ko-KR" altLang="ko-KR" sz="1600" b="0" i="0" u="none" strike="noStrike" cap="none" normalizeH="0" baseline="0" dirty="0">
+                <a:ln>
+                  <a:noFill/>
+                </a:ln>
+                <a:solidFill>
+                  <a:srgbClr val="000000"/>
+                </a:solidFill>
+                <a:effectLst/>
+                <a:latin typeface="Arial" panose="020B0604020202020204" pitchFamily="34" charset="0"/>
+                <a:cs typeface="Arial" panose="020B0604020202020204" pitchFamily="34" charset="0"/>
+              </a:rPr>
+              <a:t>결혼여부: 미혼</a:t>
+            </a:r>
+          </a:p>
+          <a:p>
+            <a:pPr marL="0" marR="0" lvl="0" indent="0" algn="l" defTabSz="914400" rtl="0" eaLnBrk="0" fontAlgn="base" latinLnBrk="0" hangingPunct="0">
+              <a:lnSpc>
+                <a:spcPct val="100000"/>
+              </a:lnSpc>
+              <a:spcBef>
+                <a:spcPct val="0"/>
+              </a:spcBef>
+              <a:spcAft>
+                <a:spcPct val="0"/>
+              </a:spcAft>
+              <a:buClrTx/>
+              <a:buSzTx/>
+              <a:buFontTx/>
+              <a:buChar char="•"/>
+              <a:tabLst/>
+            </a:pPr>
+            <a:r>
+              <a:rPr kumimoji="0" lang="ko-KR" altLang="ko-KR" sz="1600" b="0" i="0" u="none" strike="noStrike" cap="none" normalizeH="0" baseline="0" dirty="0">
+                <a:ln>
+                  <a:noFill/>
+                </a:ln>
+                <a:solidFill>
+                  <a:srgbClr val="000000"/>
+                </a:solidFill>
+                <a:effectLst/>
+                <a:latin typeface="Arial" panose="020B0604020202020204" pitchFamily="34" charset="0"/>
+                <a:cs typeface="Arial" panose="020B0604020202020204" pitchFamily="34" charset="0"/>
+              </a:rPr>
+              <a:t>교육수준:  4년재 대학졸업</a:t>
+            </a:r>
+          </a:p>
+          <a:p>
+            <a:pPr marL="0" marR="0" lvl="0" indent="0" algn="l" defTabSz="914400" rtl="0" eaLnBrk="0" fontAlgn="base" latinLnBrk="0" hangingPunct="0">
+              <a:lnSpc>
+                <a:spcPct val="100000"/>
+              </a:lnSpc>
+              <a:spcBef>
+                <a:spcPct val="0"/>
+              </a:spcBef>
+              <a:spcAft>
+                <a:spcPct val="0"/>
+              </a:spcAft>
+              <a:buClrTx/>
+              <a:buSzTx/>
+              <a:buFontTx/>
+              <a:buChar char="•"/>
+              <a:tabLst/>
+            </a:pPr>
+            <a:r>
+              <a:rPr kumimoji="0" lang="ko-KR" altLang="ko-KR" sz="1600" b="0" i="0" u="none" strike="noStrike" cap="none" normalizeH="0" baseline="0" dirty="0">
+                <a:ln>
+                  <a:noFill/>
+                </a:ln>
+                <a:solidFill>
+                  <a:srgbClr val="000000"/>
+                </a:solidFill>
+                <a:effectLst/>
+                <a:latin typeface="Arial" panose="020B0604020202020204" pitchFamily="34" charset="0"/>
+                <a:cs typeface="Arial" panose="020B0604020202020204" pitchFamily="34" charset="0"/>
+              </a:rPr>
+              <a:t>교육수준: 석사졸업</a:t>
+            </a:r>
+            <a:r>
+              <a:rPr kumimoji="0" lang="ko-KR" altLang="ko-KR" sz="1600" b="0" i="0" u="none" strike="noStrike" cap="none" normalizeH="0" baseline="0" dirty="0">
+                <a:ln>
+                  <a:noFill/>
+                </a:ln>
+                <a:solidFill>
+                  <a:schemeClr val="tx1"/>
+                </a:solidFill>
+                <a:effectLst/>
+                <a:latin typeface="Arial" panose="020B0604020202020204" pitchFamily="34" charset="0"/>
+              </a:rPr>
+              <a:t>                  </a:t>
+            </a:r>
+          </a:p>
+        </p:txBody>
+      </p:sp>
+      <p:pic>
+        <p:nvPicPr>
+          <p:cNvPr id="7" name="그림 6">
+            <a:extLst>
+              <a:ext uri="{FF2B5EF4-FFF2-40B4-BE49-F238E27FC236}">
+                <a16:creationId xmlns:a16="http://schemas.microsoft.com/office/drawing/2014/main" id="{55624BA8-663D-4F76-B147-086CF3FAB754}"/>
+              </a:ext>
+            </a:extLst>
+          </p:cNvPr>
+          <p:cNvPicPr>
+            <a:picLocks noChangeAspect="1"/>
+          </p:cNvPicPr>
+          <p:nvPr/>
+        </p:nvPicPr>
+        <p:blipFill>
+          <a:blip r:embed="rId2"/>
+          <a:stretch>
+            <a:fillRect/>
+          </a:stretch>
+        </p:blipFill>
+        <p:spPr>
+          <a:xfrm>
+            <a:off x="1192212" y="3667746"/>
+            <a:ext cx="7534275" cy="2066925"/>
+          </a:xfrm>
+          <a:prstGeom prst="rect">
+            <a:avLst/>
+          </a:prstGeom>
+        </p:spPr>
+      </p:pic>
+    </p:spTree>
+    <p:extLst>
+      <p:ext uri="{BB962C8B-B14F-4D97-AF65-F5344CB8AC3E}">
+        <p14:creationId xmlns:p14="http://schemas.microsoft.com/office/powerpoint/2010/main" val="4009391456"/>
+      </p:ext>
+    </p:extLst>
+  </p:cSld>
+  <p:clrMapOvr>
+    <a:masterClrMapping/>
+  </p:clrMapOvr>
+</p:sld>
+</file>
+
+<file path=ppt/slides/slide14.xml><?xml version="1.0" encoding="utf-8"?>
+<p:sld xmlns:a="http://schemas.openxmlformats.org/drawingml/2006/main" xmlns:r="http://schemas.openxmlformats.org/officeDocument/2006/relationships" xmlns:p="http://schemas.openxmlformats.org/presentationml/2006/main">
+  <p:cSld>
+    <p:spTree>
+      <p:nvGrpSpPr>
+        <p:cNvPr id="1" name=""/>
+        <p:cNvGrpSpPr/>
+        <p:nvPr/>
+      </p:nvGrpSpPr>
+      <p:grpSpPr>
+        <a:xfrm>
+          <a:off x="0" y="0"/>
+          <a:ext cx="0" cy="0"/>
+          <a:chOff x="0" y="0"/>
+          <a:chExt cx="0" cy="0"/>
+        </a:xfrm>
+      </p:grpSpPr>
+      <p:pic>
+        <p:nvPicPr>
+          <p:cNvPr id="8" name="그림 7">
+            <a:extLst>
+              <a:ext uri="{FF2B5EF4-FFF2-40B4-BE49-F238E27FC236}">
+                <a16:creationId xmlns:a16="http://schemas.microsoft.com/office/drawing/2014/main" id="{C2B4B27D-5C33-4F8A-AABD-1A35EB9B7B46}"/>
+              </a:ext>
+            </a:extLst>
+          </p:cNvPr>
+          <p:cNvPicPr>
+            <a:picLocks noChangeAspect="1"/>
+          </p:cNvPicPr>
+          <p:nvPr/>
+        </p:nvPicPr>
+        <p:blipFill>
+          <a:blip r:embed="rId2"/>
+          <a:stretch>
+            <a:fillRect/>
+          </a:stretch>
+        </p:blipFill>
+        <p:spPr>
+          <a:xfrm>
+            <a:off x="586366" y="2457881"/>
+            <a:ext cx="4041002" cy="3739869"/>
+          </a:xfrm>
+          <a:prstGeom prst="rect">
+            <a:avLst/>
+          </a:prstGeom>
+        </p:spPr>
+      </p:pic>
+      <p:sp>
+        <p:nvSpPr>
+          <p:cNvPr id="20" name="직사각형 19">
+            <a:extLst>
+              <a:ext uri="{FF2B5EF4-FFF2-40B4-BE49-F238E27FC236}">
+                <a16:creationId xmlns:a16="http://schemas.microsoft.com/office/drawing/2014/main" id="{5756424C-A977-4B65-A58D-7816ED1E009D}"/>
               </a:ext>
             </a:extLst>
           </p:cNvPr>
@@ -7987,14 +8456,367 @@
         </p:nvSpPr>
         <p:spPr>
           <a:xfrm>
-            <a:off x="2569368" y="2688431"/>
-            <a:ext cx="4838700" cy="2405062"/>
+            <a:off x="415924" y="1557338"/>
+            <a:ext cx="9145589" cy="4751387"/>
           </a:xfrm>
           <a:prstGeom prst="rect">
             <a:avLst/>
           </a:prstGeom>
+          <a:noFill/>
+          <a:ln>
+            <a:solidFill>
+              <a:schemeClr val="bg1">
+                <a:lumMod val="75000"/>
+              </a:schemeClr>
+            </a:solidFill>
+          </a:ln>
+        </p:spPr>
+        <p:style>
+          <a:lnRef idx="2">
+            <a:schemeClr val="accent1">
+              <a:shade val="50000"/>
+            </a:schemeClr>
+          </a:lnRef>
+          <a:fillRef idx="1">
+            <a:schemeClr val="accent1"/>
+          </a:fillRef>
+          <a:effectRef idx="0">
+            <a:schemeClr val="accent1"/>
+          </a:effectRef>
+          <a:fontRef idx="minor">
+            <a:schemeClr val="lt1"/>
+          </a:fontRef>
+        </p:style>
+        <p:txBody>
+          <a:bodyPr rtlCol="0" anchor="ctr"/>
+          <a:lstStyle/>
+          <a:p>
+            <a:pPr algn="ctr"/>
+            <a:endParaRPr lang="ko-KR" altLang="en-US" dirty="0" err="1">
+              <a:solidFill>
+                <a:schemeClr val="tx1"/>
+              </a:solidFill>
+              <a:latin typeface="KoPub돋움체 Medium" panose="02020603020101020101" pitchFamily="18" charset="-127"/>
+              <a:ea typeface="KoPub돋움체 Medium" panose="02020603020101020101" pitchFamily="18" charset="-127"/>
+            </a:endParaRPr>
+          </a:p>
+        </p:txBody>
+      </p:sp>
+      <p:sp>
+        <p:nvSpPr>
+          <p:cNvPr id="2" name="텍스트 개체 틀 1">
+            <a:extLst>
+              <a:ext uri="{FF2B5EF4-FFF2-40B4-BE49-F238E27FC236}">
+                <a16:creationId xmlns:a16="http://schemas.microsoft.com/office/drawing/2014/main" id="{DE92D746-EB4C-47F0-AB95-C8E8A32A875A}"/>
+              </a:ext>
+            </a:extLst>
+          </p:cNvPr>
+          <p:cNvSpPr>
+            <a:spLocks noGrp="1"/>
+          </p:cNvSpPr>
+          <p:nvPr>
+            <p:ph type="body" sz="quarter" idx="11"/>
+          </p:nvPr>
+        </p:nvSpPr>
+        <p:spPr/>
+        <p:txBody>
+          <a:bodyPr/>
+          <a:lstStyle/>
+          <a:p>
+            <a:r>
+              <a:rPr lang="ko-KR" altLang="en-US" dirty="0"/>
+              <a:t>원본 데이터에서 전처리를 위해 크게</a:t>
+            </a:r>
+            <a:r>
+              <a:rPr lang="en-US" altLang="ko-KR" dirty="0"/>
+              <a:t> </a:t>
+            </a:r>
+            <a:r>
+              <a:rPr lang="ko-KR" altLang="en-US" dirty="0" err="1"/>
+              <a:t>결측치</a:t>
+            </a:r>
+            <a:r>
+              <a:rPr lang="ko-KR" altLang="en-US" dirty="0"/>
+              <a:t> 확인 후 제거 및 대체</a:t>
+            </a:r>
+            <a:r>
+              <a:rPr lang="en-US" altLang="ko-KR" dirty="0"/>
+              <a:t>, </a:t>
+            </a:r>
+            <a:r>
+              <a:rPr lang="ko-KR" altLang="en-US" dirty="0"/>
+              <a:t>노후 데이터 제거</a:t>
+            </a:r>
+            <a:r>
+              <a:rPr lang="en-US" altLang="ko-KR" dirty="0"/>
+              <a:t>, </a:t>
+            </a:r>
+            <a:r>
+              <a:rPr lang="ko-KR" altLang="en-US" dirty="0"/>
+              <a:t>경력 데이터 생성 및 삽입</a:t>
+            </a:r>
+            <a:r>
+              <a:rPr lang="en-US" altLang="ko-KR" dirty="0"/>
+              <a:t>, </a:t>
+            </a:r>
+            <a:r>
+              <a:rPr lang="ko-KR" altLang="en-US" dirty="0"/>
+              <a:t>범주형 데이터 변환의 네 가지 활동을 진행함</a:t>
+            </a:r>
+            <a:r>
+              <a:rPr lang="en-US" altLang="ko-KR" dirty="0"/>
+              <a:t>.</a:t>
+            </a:r>
+            <a:endParaRPr lang="ko-KR" altLang="en-US" dirty="0"/>
+          </a:p>
+        </p:txBody>
+      </p:sp>
+      <p:sp>
+        <p:nvSpPr>
+          <p:cNvPr id="3" name="제목 2">
+            <a:extLst>
+              <a:ext uri="{FF2B5EF4-FFF2-40B4-BE49-F238E27FC236}">
+                <a16:creationId xmlns:a16="http://schemas.microsoft.com/office/drawing/2014/main" id="{99A2F38D-A957-4CD7-B4CB-B01AD5C9E43C}"/>
+              </a:ext>
+            </a:extLst>
+          </p:cNvPr>
+          <p:cNvSpPr>
+            <a:spLocks noGrp="1"/>
+          </p:cNvSpPr>
+          <p:nvPr>
+            <p:ph type="title"/>
+          </p:nvPr>
+        </p:nvSpPr>
+        <p:spPr/>
+        <p:txBody>
+          <a:bodyPr/>
+          <a:lstStyle/>
+          <a:p>
+            <a:r>
+              <a:rPr lang="ko-KR" altLang="en-US" dirty="0"/>
+              <a:t>분석 내용 </a:t>
+            </a:r>
+            <a:r>
+              <a:rPr lang="en-US" altLang="ko-KR" dirty="0"/>
+              <a:t>_ </a:t>
+            </a:r>
+            <a:r>
+              <a:rPr lang="en-US" altLang="ko-KR" sz="1800" dirty="0"/>
+              <a:t>2) </a:t>
+            </a:r>
+            <a:r>
+              <a:rPr lang="ko-KR" altLang="en-US" sz="1800" dirty="0"/>
+              <a:t>모델 </a:t>
+            </a:r>
+            <a:r>
+              <a:rPr lang="en-US" altLang="ko-KR" sz="1800" dirty="0"/>
+              <a:t>fit</a:t>
+            </a:r>
+            <a:r>
+              <a:rPr lang="ko-KR" altLang="en-US" sz="1800" dirty="0"/>
+              <a:t> 및 성능 확인</a:t>
+            </a:r>
+            <a:endParaRPr lang="ko-KR" altLang="en-US" dirty="0"/>
+          </a:p>
+        </p:txBody>
+      </p:sp>
+      <p:sp>
+        <p:nvSpPr>
+          <p:cNvPr id="10" name="화살표: 오각형 9">
+            <a:extLst>
+              <a:ext uri="{FF2B5EF4-FFF2-40B4-BE49-F238E27FC236}">
+                <a16:creationId xmlns:a16="http://schemas.microsoft.com/office/drawing/2014/main" id="{17A875CD-5921-4EC8-AFCE-8515F2ACBC7B}"/>
+              </a:ext>
+            </a:extLst>
+          </p:cNvPr>
+          <p:cNvSpPr/>
+          <p:nvPr/>
+        </p:nvSpPr>
+        <p:spPr>
+          <a:xfrm>
+            <a:off x="415924" y="1392239"/>
+            <a:ext cx="2924176" cy="385762"/>
+          </a:xfrm>
+          <a:prstGeom prst="homePlate">
+            <a:avLst/>
+          </a:prstGeom>
           <a:solidFill>
-            <a:srgbClr val="FDDC2F"/>
+            <a:schemeClr val="bg1">
+              <a:lumMod val="85000"/>
+            </a:schemeClr>
+          </a:solidFill>
+          <a:ln>
+            <a:noFill/>
+          </a:ln>
+        </p:spPr>
+        <p:style>
+          <a:lnRef idx="2">
+            <a:schemeClr val="accent1">
+              <a:shade val="50000"/>
+            </a:schemeClr>
+          </a:lnRef>
+          <a:fillRef idx="1">
+            <a:schemeClr val="accent1"/>
+          </a:fillRef>
+          <a:effectRef idx="0">
+            <a:schemeClr val="accent1"/>
+          </a:effectRef>
+          <a:fontRef idx="minor">
+            <a:schemeClr val="lt1"/>
+          </a:fontRef>
+        </p:style>
+        <p:txBody>
+          <a:bodyPr rot="0" spcFirstLastPara="0" vertOverflow="overflow" horzOverflow="overflow" vert="horz" wrap="square" lIns="91440" tIns="45720" rIns="91440" bIns="45720" numCol="1" spcCol="0" rtlCol="0" fromWordArt="0" anchor="ctr" anchorCtr="0" forceAA="0" compatLnSpc="1">
+            <a:prstTxWarp prst="textNoShape">
+              <a:avLst/>
+            </a:prstTxWarp>
+            <a:noAutofit/>
+          </a:bodyPr>
+          <a:lstStyle/>
+          <a:p>
+            <a:pPr algn="ctr"/>
+            <a:r>
+              <a:rPr lang="ko-KR" altLang="en-US" dirty="0">
+                <a:solidFill>
+                  <a:schemeClr val="bg1"/>
+                </a:solidFill>
+                <a:latin typeface="KoPub돋움체 Medium" panose="02020603020101020101" pitchFamily="18" charset="-127"/>
+                <a:ea typeface="KoPub돋움체 Medium" panose="02020603020101020101" pitchFamily="18" charset="-127"/>
+              </a:rPr>
+              <a:t>데이터 </a:t>
+            </a:r>
+            <a:r>
+              <a:rPr lang="ko-KR" altLang="en-US" dirty="0" err="1">
+                <a:solidFill>
+                  <a:schemeClr val="bg1"/>
+                </a:solidFill>
+                <a:latin typeface="KoPub돋움체 Medium" panose="02020603020101020101" pitchFamily="18" charset="-127"/>
+                <a:ea typeface="KoPub돋움체 Medium" panose="02020603020101020101" pitchFamily="18" charset="-127"/>
+              </a:rPr>
+              <a:t>전처리</a:t>
+            </a:r>
+            <a:endParaRPr lang="ko-KR" altLang="en-US" dirty="0">
+              <a:solidFill>
+                <a:schemeClr val="bg1"/>
+              </a:solidFill>
+              <a:latin typeface="KoPub돋움체 Medium" panose="02020603020101020101" pitchFamily="18" charset="-127"/>
+              <a:ea typeface="KoPub돋움체 Medium" panose="02020603020101020101" pitchFamily="18" charset="-127"/>
+            </a:endParaRPr>
+          </a:p>
+        </p:txBody>
+      </p:sp>
+      <p:sp>
+        <p:nvSpPr>
+          <p:cNvPr id="11" name="화살표: 오각형 10">
+            <a:extLst>
+              <a:ext uri="{FF2B5EF4-FFF2-40B4-BE49-F238E27FC236}">
+                <a16:creationId xmlns:a16="http://schemas.microsoft.com/office/drawing/2014/main" id="{E6F59EE7-78E8-4674-B123-8593BAD4D71A}"/>
+              </a:ext>
+            </a:extLst>
+          </p:cNvPr>
+          <p:cNvSpPr/>
+          <p:nvPr/>
+        </p:nvSpPr>
+        <p:spPr>
+          <a:xfrm>
+            <a:off x="3497262" y="1392238"/>
+            <a:ext cx="2924176" cy="385762"/>
+          </a:xfrm>
+          <a:prstGeom prst="homePlate">
+            <a:avLst/>
+          </a:prstGeom>
+          <a:solidFill>
+            <a:schemeClr val="accent5">
+              <a:lumMod val="75000"/>
+            </a:schemeClr>
+          </a:solidFill>
+          <a:ln>
+            <a:noFill/>
+          </a:ln>
+        </p:spPr>
+        <p:style>
+          <a:lnRef idx="2">
+            <a:schemeClr val="accent1">
+              <a:shade val="50000"/>
+            </a:schemeClr>
+          </a:lnRef>
+          <a:fillRef idx="1">
+            <a:schemeClr val="accent1"/>
+          </a:fillRef>
+          <a:effectRef idx="0">
+            <a:schemeClr val="accent1"/>
+          </a:effectRef>
+          <a:fontRef idx="minor">
+            <a:schemeClr val="lt1"/>
+          </a:fontRef>
+        </p:style>
+        <p:txBody>
+          <a:bodyPr rot="0" spcFirstLastPara="0" vertOverflow="overflow" horzOverflow="overflow" vert="horz" wrap="square" lIns="91440" tIns="45720" rIns="91440" bIns="45720" numCol="1" spcCol="0" rtlCol="0" fromWordArt="0" anchor="ctr" anchorCtr="0" forceAA="0" compatLnSpc="1">
+            <a:prstTxWarp prst="textNoShape">
+              <a:avLst/>
+            </a:prstTxWarp>
+            <a:noAutofit/>
+          </a:bodyPr>
+          <a:lstStyle/>
+          <a:p>
+            <a:pPr algn="ctr"/>
+            <a:r>
+              <a:rPr lang="ko-KR" altLang="en-US">
+                <a:solidFill>
+                  <a:schemeClr val="bg1"/>
+                </a:solidFill>
+                <a:latin typeface="KoPub돋움체 Medium" panose="02020603020101020101" pitchFamily="18" charset="-127"/>
+                <a:ea typeface="KoPub돋움체 Medium" panose="02020603020101020101" pitchFamily="18" charset="-127"/>
+              </a:rPr>
+              <a:t>모델 </a:t>
+            </a:r>
+            <a:r>
+              <a:rPr lang="en-US" altLang="ko-KR" dirty="0">
+                <a:solidFill>
+                  <a:schemeClr val="bg1"/>
+                </a:solidFill>
+                <a:latin typeface="KoPub돋움체 Medium" panose="02020603020101020101" pitchFamily="18" charset="-127"/>
+                <a:ea typeface="KoPub돋움체 Medium" panose="02020603020101020101" pitchFamily="18" charset="-127"/>
+              </a:rPr>
+              <a:t>fit </a:t>
+            </a:r>
+            <a:r>
+              <a:rPr lang="ko-KR" altLang="en-US" dirty="0">
+                <a:solidFill>
+                  <a:schemeClr val="bg1"/>
+                </a:solidFill>
+                <a:latin typeface="KoPub돋움체 Medium" panose="02020603020101020101" pitchFamily="18" charset="-127"/>
+                <a:ea typeface="KoPub돋움체 Medium" panose="02020603020101020101" pitchFamily="18" charset="-127"/>
+              </a:rPr>
+              <a:t>및 성능확인</a:t>
+            </a:r>
+          </a:p>
+        </p:txBody>
+      </p:sp>
+      <p:sp>
+        <p:nvSpPr>
+          <p:cNvPr id="12" name="화살표: 오각형 11">
+            <a:extLst>
+              <a:ext uri="{FF2B5EF4-FFF2-40B4-BE49-F238E27FC236}">
+                <a16:creationId xmlns:a16="http://schemas.microsoft.com/office/drawing/2014/main" id="{87B7D680-8085-4DA7-8AE9-F25C727316CA}"/>
+              </a:ext>
+            </a:extLst>
+          </p:cNvPr>
+          <p:cNvSpPr/>
+          <p:nvPr/>
+        </p:nvSpPr>
+        <p:spPr>
+          <a:xfrm>
+            <a:off x="6645274" y="1392238"/>
+            <a:ext cx="2924176" cy="385762"/>
+          </a:xfrm>
+          <a:prstGeom prst="homePlate">
+            <a:avLst/>
+          </a:prstGeom>
+          <a:solidFill>
+            <a:schemeClr val="bg1">
+              <a:lumMod val="85000"/>
+            </a:schemeClr>
           </a:solidFill>
           <a:ln>
             <a:noFill/>
@@ -8024,52 +8846,238 @@
             <a:r>
               <a:rPr lang="ko-KR" altLang="en-US" dirty="0">
                 <a:solidFill>
-                  <a:schemeClr val="tx1"/>
-                </a:solidFill>
-                <a:latin typeface="KoPub돋움체 Medium" panose="02020603020101020101" pitchFamily="18" charset="-127"/>
-                <a:ea typeface="KoPub돋움체 Medium" panose="02020603020101020101" pitchFamily="18" charset="-127"/>
-              </a:rPr>
-              <a:t>내일이나 월요일에 모델 좀 더 넣어보고 </a:t>
-            </a:r>
-            <a:r>
-              <a:rPr lang="ko-KR" altLang="en-US" dirty="0" err="1">
-                <a:solidFill>
-                  <a:schemeClr val="tx1"/>
-                </a:solidFill>
-                <a:latin typeface="KoPub돋움체 Medium" panose="02020603020101020101" pitchFamily="18" charset="-127"/>
-                <a:ea typeface="KoPub돋움체 Medium" panose="02020603020101020101" pitchFamily="18" charset="-127"/>
-              </a:rPr>
-              <a:t>돌린모델하고</a:t>
-            </a:r>
-            <a:r>
-              <a:rPr lang="ko-KR" altLang="en-US" dirty="0">
-                <a:solidFill>
-                  <a:schemeClr val="tx1"/>
-                </a:solidFill>
-                <a:latin typeface="KoPub돋움체 Medium" panose="02020603020101020101" pitchFamily="18" charset="-127"/>
-                <a:ea typeface="KoPub돋움체 Medium" panose="02020603020101020101" pitchFamily="18" charset="-127"/>
-              </a:rPr>
-              <a:t> 대략적인 결과 넣어보면 </a:t>
-            </a:r>
-            <a:r>
-              <a:rPr lang="ko-KR" altLang="en-US" dirty="0" err="1">
-                <a:solidFill>
-                  <a:schemeClr val="tx1"/>
-                </a:solidFill>
-                <a:latin typeface="KoPub돋움체 Medium" panose="02020603020101020101" pitchFamily="18" charset="-127"/>
-                <a:ea typeface="KoPub돋움체 Medium" panose="02020603020101020101" pitchFamily="18" charset="-127"/>
-              </a:rPr>
-              <a:t>될것같아</a:t>
-            </a:r>
+                  <a:schemeClr val="bg1"/>
+                </a:solidFill>
+                <a:latin typeface="KoPub돋움체 Medium" panose="02020603020101020101" pitchFamily="18" charset="-127"/>
+                <a:ea typeface="KoPub돋움체 Medium" panose="02020603020101020101" pitchFamily="18" charset="-127"/>
+              </a:rPr>
+              <a:t>예측모델 성능 향상</a:t>
+            </a:r>
+          </a:p>
+        </p:txBody>
+      </p:sp>
+      <p:sp>
+        <p:nvSpPr>
+          <p:cNvPr id="9" name="TextBox 8">
+            <a:extLst>
+              <a:ext uri="{FF2B5EF4-FFF2-40B4-BE49-F238E27FC236}">
+                <a16:creationId xmlns:a16="http://schemas.microsoft.com/office/drawing/2014/main" id="{24779D86-F0A9-4C28-B97A-665375F0B7A5}"/>
+              </a:ext>
+            </a:extLst>
+          </p:cNvPr>
+          <p:cNvSpPr txBox="1"/>
+          <p:nvPr/>
+        </p:nvSpPr>
+        <p:spPr>
+          <a:xfrm>
+            <a:off x="1344612" y="2027221"/>
+            <a:ext cx="2152650" cy="369332"/>
+          </a:xfrm>
+          <a:prstGeom prst="rect">
+            <a:avLst/>
+          </a:prstGeom>
+          <a:noFill/>
+        </p:spPr>
+        <p:txBody>
+          <a:bodyPr wrap="square" rtlCol="0">
+            <a:spAutoFit/>
+          </a:bodyPr>
+          <a:lstStyle/>
+          <a:p>
+            <a:pPr algn="ctr"/>
+            <a:r>
+              <a:rPr lang="en-US" altLang="ko-KR" b="1" dirty="0">
+                <a:latin typeface="KoPub돋움체 Medium" panose="02020603020101020101" pitchFamily="18" charset="-127"/>
+                <a:ea typeface="KoPub돋움체 Medium" panose="02020603020101020101" pitchFamily="18" charset="-127"/>
+              </a:rPr>
+              <a:t>&lt;OLS</a:t>
+            </a:r>
+            <a:r>
+              <a:rPr lang="ko-KR" altLang="en-US" b="1" dirty="0">
+                <a:latin typeface="KoPub돋움체 Medium" panose="02020603020101020101" pitchFamily="18" charset="-127"/>
+                <a:ea typeface="KoPub돋움체 Medium" panose="02020603020101020101" pitchFamily="18" charset="-127"/>
+              </a:rPr>
+              <a:t>모델 분석결과</a:t>
+            </a:r>
+            <a:r>
+              <a:rPr lang="en-US" altLang="ko-KR" b="1" dirty="0">
+                <a:latin typeface="KoPub돋움체 Medium" panose="02020603020101020101" pitchFamily="18" charset="-127"/>
+                <a:ea typeface="KoPub돋움체 Medium" panose="02020603020101020101" pitchFamily="18" charset="-127"/>
+              </a:rPr>
+              <a:t>&gt;</a:t>
+            </a:r>
+            <a:endParaRPr lang="ko-KR" altLang="en-US" b="1" dirty="0" err="1">
+              <a:latin typeface="KoPub돋움체 Medium" panose="02020603020101020101" pitchFamily="18" charset="-127"/>
+              <a:ea typeface="KoPub돋움체 Medium" panose="02020603020101020101" pitchFamily="18" charset="-127"/>
+            </a:endParaRPr>
+          </a:p>
+        </p:txBody>
+      </p:sp>
+      <p:sp>
+        <p:nvSpPr>
+          <p:cNvPr id="4" name="직사각형 3">
+            <a:extLst>
+              <a:ext uri="{FF2B5EF4-FFF2-40B4-BE49-F238E27FC236}">
+                <a16:creationId xmlns:a16="http://schemas.microsoft.com/office/drawing/2014/main" id="{1B0C2996-6AD5-4CB4-9A44-9434EFFCEC4C}"/>
+              </a:ext>
+            </a:extLst>
+          </p:cNvPr>
+          <p:cNvSpPr/>
+          <p:nvPr/>
+        </p:nvSpPr>
+        <p:spPr>
+          <a:xfrm>
+            <a:off x="2331843" y="2740707"/>
+            <a:ext cx="2152650" cy="137368"/>
+          </a:xfrm>
+          <a:prstGeom prst="rect">
+            <a:avLst/>
+          </a:prstGeom>
+          <a:noFill/>
+          <a:ln w="28575">
+            <a:solidFill>
+              <a:srgbClr val="FFFF00"/>
+            </a:solidFill>
+          </a:ln>
+        </p:spPr>
+        <p:style>
+          <a:lnRef idx="2">
+            <a:schemeClr val="accent1">
+              <a:shade val="50000"/>
+            </a:schemeClr>
+          </a:lnRef>
+          <a:fillRef idx="1">
+            <a:schemeClr val="accent1"/>
+          </a:fillRef>
+          <a:effectRef idx="0">
+            <a:schemeClr val="accent1"/>
+          </a:effectRef>
+          <a:fontRef idx="minor">
+            <a:schemeClr val="lt1"/>
+          </a:fontRef>
+        </p:style>
+        <p:txBody>
+          <a:bodyPr rtlCol="0" anchor="ctr"/>
+          <a:lstStyle/>
+          <a:p>
+            <a:pPr algn="ctr"/>
+            <a:endParaRPr lang="ko-KR" altLang="en-US" dirty="0" err="1">
+              <a:solidFill>
+                <a:schemeClr val="tx1"/>
+              </a:solidFill>
+              <a:latin typeface="KoPub돋움체 Medium" panose="02020603020101020101" pitchFamily="18" charset="-127"/>
+              <a:ea typeface="KoPub돋움체 Medium" panose="02020603020101020101" pitchFamily="18" charset="-127"/>
+            </a:endParaRPr>
+          </a:p>
+        </p:txBody>
+      </p:sp>
+      <p:sp>
+        <p:nvSpPr>
+          <p:cNvPr id="13" name="직사각형 12">
+            <a:extLst>
+              <a:ext uri="{FF2B5EF4-FFF2-40B4-BE49-F238E27FC236}">
+                <a16:creationId xmlns:a16="http://schemas.microsoft.com/office/drawing/2014/main" id="{66DDFD1D-C69E-4343-A812-F90C5391F270}"/>
+              </a:ext>
+            </a:extLst>
+          </p:cNvPr>
+          <p:cNvSpPr/>
+          <p:nvPr/>
+        </p:nvSpPr>
+        <p:spPr>
+          <a:xfrm>
+            <a:off x="2861309" y="3905731"/>
+            <a:ext cx="350521" cy="1133884"/>
+          </a:xfrm>
+          <a:prstGeom prst="rect">
+            <a:avLst/>
+          </a:prstGeom>
+          <a:noFill/>
+          <a:ln w="28575">
+            <a:solidFill>
+              <a:srgbClr val="FFFF00"/>
+            </a:solidFill>
+          </a:ln>
+        </p:spPr>
+        <p:style>
+          <a:lnRef idx="2">
+            <a:schemeClr val="accent1">
+              <a:shade val="50000"/>
+            </a:schemeClr>
+          </a:lnRef>
+          <a:fillRef idx="1">
+            <a:schemeClr val="accent1"/>
+          </a:fillRef>
+          <a:effectRef idx="0">
+            <a:schemeClr val="accent1"/>
+          </a:effectRef>
+          <a:fontRef idx="minor">
+            <a:schemeClr val="lt1"/>
+          </a:fontRef>
+        </p:style>
+        <p:txBody>
+          <a:bodyPr rtlCol="0" anchor="ctr"/>
+          <a:lstStyle/>
+          <a:p>
+            <a:pPr algn="ctr"/>
+            <a:endParaRPr lang="ko-KR" altLang="en-US" dirty="0" err="1">
+              <a:solidFill>
+                <a:schemeClr val="tx1"/>
+              </a:solidFill>
+              <a:latin typeface="KoPub돋움체 Medium" panose="02020603020101020101" pitchFamily="18" charset="-127"/>
+              <a:ea typeface="KoPub돋움체 Medium" panose="02020603020101020101" pitchFamily="18" charset="-127"/>
+            </a:endParaRPr>
+          </a:p>
+        </p:txBody>
+      </p:sp>
+      <p:sp>
+        <p:nvSpPr>
+          <p:cNvPr id="7" name="TextBox 6">
+            <a:extLst>
+              <a:ext uri="{FF2B5EF4-FFF2-40B4-BE49-F238E27FC236}">
+                <a16:creationId xmlns:a16="http://schemas.microsoft.com/office/drawing/2014/main" id="{36149E23-1A5B-4C3C-81FB-8B2737919965}"/>
+              </a:ext>
+            </a:extLst>
+          </p:cNvPr>
+          <p:cNvSpPr txBox="1"/>
+          <p:nvPr/>
+        </p:nvSpPr>
+        <p:spPr>
+          <a:xfrm>
+            <a:off x="4988718" y="3466787"/>
+            <a:ext cx="4016115" cy="369332"/>
+          </a:xfrm>
+          <a:prstGeom prst="rect">
+            <a:avLst/>
+          </a:prstGeom>
+          <a:noFill/>
+        </p:spPr>
+        <p:txBody>
+          <a:bodyPr wrap="square" rtlCol="0">
+            <a:spAutoFit/>
+          </a:bodyPr>
+          <a:lstStyle/>
+          <a:p>
+            <a:pPr algn="l"/>
             <a:r>
               <a:rPr lang="en-US" altLang="ko-KR" dirty="0">
-                <a:solidFill>
-                  <a:schemeClr val="tx1"/>
-                </a:solidFill>
-                <a:latin typeface="KoPub돋움체 Medium" panose="02020603020101020101" pitchFamily="18" charset="-127"/>
-                <a:ea typeface="KoPub돋움체 Medium" panose="02020603020101020101" pitchFamily="18" charset="-127"/>
-              </a:rPr>
-              <a:t>!</a:t>
+                <a:latin typeface="KoPub돋움체 Medium" panose="02020603020101020101" pitchFamily="18" charset="-127"/>
+                <a:ea typeface="KoPub돋움체 Medium" panose="02020603020101020101" pitchFamily="18" charset="-127"/>
+              </a:rPr>
+              <a:t>R</a:t>
+            </a:r>
+            <a:r>
+              <a:rPr lang="en-US" altLang="ko-KR" baseline="30000" dirty="0">
+                <a:latin typeface="KoPub돋움체 Medium" panose="02020603020101020101" pitchFamily="18" charset="-127"/>
+                <a:ea typeface="KoPub돋움체 Medium" panose="02020603020101020101" pitchFamily="18" charset="-127"/>
+              </a:rPr>
+              <a:t>2</a:t>
+            </a:r>
+            <a:r>
+              <a:rPr lang="en-US" altLang="ko-KR" dirty="0">
+                <a:latin typeface="KoPub돋움체 Medium" panose="02020603020101020101" pitchFamily="18" charset="-127"/>
+                <a:ea typeface="KoPub돋움체 Medium" panose="02020603020101020101" pitchFamily="18" charset="-127"/>
+              </a:rPr>
+              <a:t> : 0.791</a:t>
             </a:r>
           </a:p>
         </p:txBody>
@@ -8077,7 +9085,1127 @@
     </p:spTree>
     <p:extLst>
       <p:ext uri="{BB962C8B-B14F-4D97-AF65-F5344CB8AC3E}">
-        <p14:creationId xmlns:p14="http://schemas.microsoft.com/office/powerpoint/2010/main" val="4009391456"/>
+        <p14:creationId xmlns:p14="http://schemas.microsoft.com/office/powerpoint/2010/main" val="3141876755"/>
+      </p:ext>
+    </p:extLst>
+  </p:cSld>
+  <p:clrMapOvr>
+    <a:masterClrMapping/>
+  </p:clrMapOvr>
+</p:sld>
+</file>
+
+<file path=ppt/slides/slide15.xml><?xml version="1.0" encoding="utf-8"?>
+<p:sld xmlns:a="http://schemas.openxmlformats.org/drawingml/2006/main" xmlns:r="http://schemas.openxmlformats.org/officeDocument/2006/relationships" xmlns:p="http://schemas.openxmlformats.org/presentationml/2006/main">
+  <p:cSld>
+    <p:spTree>
+      <p:nvGrpSpPr>
+        <p:cNvPr id="1" name=""/>
+        <p:cNvGrpSpPr/>
+        <p:nvPr/>
+      </p:nvGrpSpPr>
+      <p:grpSpPr>
+        <a:xfrm>
+          <a:off x="0" y="0"/>
+          <a:ext cx="0" cy="0"/>
+          <a:chOff x="0" y="0"/>
+          <a:chExt cx="0" cy="0"/>
+        </a:xfrm>
+      </p:grpSpPr>
+      <p:sp>
+        <p:nvSpPr>
+          <p:cNvPr id="20" name="직사각형 19">
+            <a:extLst>
+              <a:ext uri="{FF2B5EF4-FFF2-40B4-BE49-F238E27FC236}">
+                <a16:creationId xmlns:a16="http://schemas.microsoft.com/office/drawing/2014/main" id="{5756424C-A977-4B65-A58D-7816ED1E009D}"/>
+              </a:ext>
+            </a:extLst>
+          </p:cNvPr>
+          <p:cNvSpPr/>
+          <p:nvPr/>
+        </p:nvSpPr>
+        <p:spPr>
+          <a:xfrm>
+            <a:off x="415924" y="1557338"/>
+            <a:ext cx="9145589" cy="4751387"/>
+          </a:xfrm>
+          <a:prstGeom prst="rect">
+            <a:avLst/>
+          </a:prstGeom>
+          <a:noFill/>
+          <a:ln>
+            <a:solidFill>
+              <a:schemeClr val="bg1">
+                <a:lumMod val="75000"/>
+              </a:schemeClr>
+            </a:solidFill>
+          </a:ln>
+        </p:spPr>
+        <p:style>
+          <a:lnRef idx="2">
+            <a:schemeClr val="accent1">
+              <a:shade val="50000"/>
+            </a:schemeClr>
+          </a:lnRef>
+          <a:fillRef idx="1">
+            <a:schemeClr val="accent1"/>
+          </a:fillRef>
+          <a:effectRef idx="0">
+            <a:schemeClr val="accent1"/>
+          </a:effectRef>
+          <a:fontRef idx="minor">
+            <a:schemeClr val="lt1"/>
+          </a:fontRef>
+        </p:style>
+        <p:txBody>
+          <a:bodyPr rtlCol="0" anchor="ctr"/>
+          <a:lstStyle/>
+          <a:p>
+            <a:pPr algn="ctr"/>
+            <a:endParaRPr lang="ko-KR" altLang="en-US" dirty="0" err="1">
+              <a:solidFill>
+                <a:schemeClr val="tx1"/>
+              </a:solidFill>
+              <a:latin typeface="KoPub돋움체 Medium" panose="02020603020101020101" pitchFamily="18" charset="-127"/>
+              <a:ea typeface="KoPub돋움체 Medium" panose="02020603020101020101" pitchFamily="18" charset="-127"/>
+            </a:endParaRPr>
+          </a:p>
+        </p:txBody>
+      </p:sp>
+      <p:sp>
+        <p:nvSpPr>
+          <p:cNvPr id="2" name="텍스트 개체 틀 1">
+            <a:extLst>
+              <a:ext uri="{FF2B5EF4-FFF2-40B4-BE49-F238E27FC236}">
+                <a16:creationId xmlns:a16="http://schemas.microsoft.com/office/drawing/2014/main" id="{DE92D746-EB4C-47F0-AB95-C8E8A32A875A}"/>
+              </a:ext>
+            </a:extLst>
+          </p:cNvPr>
+          <p:cNvSpPr>
+            <a:spLocks noGrp="1"/>
+          </p:cNvSpPr>
+          <p:nvPr>
+            <p:ph type="body" sz="quarter" idx="11"/>
+          </p:nvPr>
+        </p:nvSpPr>
+        <p:spPr/>
+        <p:txBody>
+          <a:bodyPr/>
+          <a:lstStyle/>
+          <a:p>
+            <a:r>
+              <a:rPr lang="ko-KR" altLang="en-US" dirty="0"/>
+              <a:t>원본 데이터에서 전처리를 위해 크게</a:t>
+            </a:r>
+            <a:r>
+              <a:rPr lang="en-US" altLang="ko-KR" dirty="0"/>
+              <a:t> </a:t>
+            </a:r>
+            <a:r>
+              <a:rPr lang="ko-KR" altLang="en-US" dirty="0" err="1"/>
+              <a:t>결측치</a:t>
+            </a:r>
+            <a:r>
+              <a:rPr lang="ko-KR" altLang="en-US" dirty="0"/>
+              <a:t> 확인 후 제거 및 대체</a:t>
+            </a:r>
+            <a:r>
+              <a:rPr lang="en-US" altLang="ko-KR" dirty="0"/>
+              <a:t>, </a:t>
+            </a:r>
+            <a:r>
+              <a:rPr lang="ko-KR" altLang="en-US" dirty="0"/>
+              <a:t>노후 데이터 제거</a:t>
+            </a:r>
+            <a:r>
+              <a:rPr lang="en-US" altLang="ko-KR" dirty="0"/>
+              <a:t>, </a:t>
+            </a:r>
+            <a:r>
+              <a:rPr lang="ko-KR" altLang="en-US" dirty="0"/>
+              <a:t>경력 데이터 생성 및 삽입</a:t>
+            </a:r>
+            <a:r>
+              <a:rPr lang="en-US" altLang="ko-KR" dirty="0"/>
+              <a:t>, </a:t>
+            </a:r>
+            <a:r>
+              <a:rPr lang="ko-KR" altLang="en-US" dirty="0"/>
+              <a:t>범주형 데이터 변환의 네 가지 활동을 진행함</a:t>
+            </a:r>
+            <a:r>
+              <a:rPr lang="en-US" altLang="ko-KR" dirty="0"/>
+              <a:t>.</a:t>
+            </a:r>
+            <a:endParaRPr lang="ko-KR" altLang="en-US" dirty="0"/>
+          </a:p>
+        </p:txBody>
+      </p:sp>
+      <p:sp>
+        <p:nvSpPr>
+          <p:cNvPr id="3" name="제목 2">
+            <a:extLst>
+              <a:ext uri="{FF2B5EF4-FFF2-40B4-BE49-F238E27FC236}">
+                <a16:creationId xmlns:a16="http://schemas.microsoft.com/office/drawing/2014/main" id="{99A2F38D-A957-4CD7-B4CB-B01AD5C9E43C}"/>
+              </a:ext>
+            </a:extLst>
+          </p:cNvPr>
+          <p:cNvSpPr>
+            <a:spLocks noGrp="1"/>
+          </p:cNvSpPr>
+          <p:nvPr>
+            <p:ph type="title"/>
+          </p:nvPr>
+        </p:nvSpPr>
+        <p:spPr/>
+        <p:txBody>
+          <a:bodyPr/>
+          <a:lstStyle/>
+          <a:p>
+            <a:r>
+              <a:rPr lang="ko-KR" altLang="en-US" dirty="0"/>
+              <a:t>분석 내용 </a:t>
+            </a:r>
+            <a:r>
+              <a:rPr lang="en-US" altLang="ko-KR" dirty="0"/>
+              <a:t>_ </a:t>
+            </a:r>
+            <a:r>
+              <a:rPr lang="en-US" altLang="ko-KR" sz="1800" dirty="0"/>
+              <a:t>2) </a:t>
+            </a:r>
+            <a:r>
+              <a:rPr lang="ko-KR" altLang="en-US" sz="1800" dirty="0"/>
+              <a:t>모델 </a:t>
+            </a:r>
+            <a:r>
+              <a:rPr lang="en-US" altLang="ko-KR" sz="1800" dirty="0"/>
+              <a:t>fit</a:t>
+            </a:r>
+            <a:r>
+              <a:rPr lang="ko-KR" altLang="en-US" sz="1800" dirty="0"/>
+              <a:t> 및 성능 확인</a:t>
+            </a:r>
+            <a:endParaRPr lang="ko-KR" altLang="en-US" dirty="0"/>
+          </a:p>
+        </p:txBody>
+      </p:sp>
+      <p:sp>
+        <p:nvSpPr>
+          <p:cNvPr id="10" name="화살표: 오각형 9">
+            <a:extLst>
+              <a:ext uri="{FF2B5EF4-FFF2-40B4-BE49-F238E27FC236}">
+                <a16:creationId xmlns:a16="http://schemas.microsoft.com/office/drawing/2014/main" id="{17A875CD-5921-4EC8-AFCE-8515F2ACBC7B}"/>
+              </a:ext>
+            </a:extLst>
+          </p:cNvPr>
+          <p:cNvSpPr/>
+          <p:nvPr/>
+        </p:nvSpPr>
+        <p:spPr>
+          <a:xfrm>
+            <a:off x="415924" y="1392239"/>
+            <a:ext cx="2924176" cy="385762"/>
+          </a:xfrm>
+          <a:prstGeom prst="homePlate">
+            <a:avLst/>
+          </a:prstGeom>
+          <a:solidFill>
+            <a:schemeClr val="bg1">
+              <a:lumMod val="85000"/>
+            </a:schemeClr>
+          </a:solidFill>
+          <a:ln>
+            <a:noFill/>
+          </a:ln>
+        </p:spPr>
+        <p:style>
+          <a:lnRef idx="2">
+            <a:schemeClr val="accent1">
+              <a:shade val="50000"/>
+            </a:schemeClr>
+          </a:lnRef>
+          <a:fillRef idx="1">
+            <a:schemeClr val="accent1"/>
+          </a:fillRef>
+          <a:effectRef idx="0">
+            <a:schemeClr val="accent1"/>
+          </a:effectRef>
+          <a:fontRef idx="minor">
+            <a:schemeClr val="lt1"/>
+          </a:fontRef>
+        </p:style>
+        <p:txBody>
+          <a:bodyPr rot="0" spcFirstLastPara="0" vertOverflow="overflow" horzOverflow="overflow" vert="horz" wrap="square" lIns="91440" tIns="45720" rIns="91440" bIns="45720" numCol="1" spcCol="0" rtlCol="0" fromWordArt="0" anchor="ctr" anchorCtr="0" forceAA="0" compatLnSpc="1">
+            <a:prstTxWarp prst="textNoShape">
+              <a:avLst/>
+            </a:prstTxWarp>
+            <a:noAutofit/>
+          </a:bodyPr>
+          <a:lstStyle/>
+          <a:p>
+            <a:pPr algn="ctr"/>
+            <a:r>
+              <a:rPr lang="ko-KR" altLang="en-US" dirty="0">
+                <a:solidFill>
+                  <a:schemeClr val="bg1"/>
+                </a:solidFill>
+                <a:latin typeface="KoPub돋움체 Medium" panose="02020603020101020101" pitchFamily="18" charset="-127"/>
+                <a:ea typeface="KoPub돋움체 Medium" panose="02020603020101020101" pitchFamily="18" charset="-127"/>
+              </a:rPr>
+              <a:t>데이터 </a:t>
+            </a:r>
+            <a:r>
+              <a:rPr lang="ko-KR" altLang="en-US" dirty="0" err="1">
+                <a:solidFill>
+                  <a:schemeClr val="bg1"/>
+                </a:solidFill>
+                <a:latin typeface="KoPub돋움체 Medium" panose="02020603020101020101" pitchFamily="18" charset="-127"/>
+                <a:ea typeface="KoPub돋움체 Medium" panose="02020603020101020101" pitchFamily="18" charset="-127"/>
+              </a:rPr>
+              <a:t>전처리</a:t>
+            </a:r>
+            <a:endParaRPr lang="ko-KR" altLang="en-US" dirty="0">
+              <a:solidFill>
+                <a:schemeClr val="bg1"/>
+              </a:solidFill>
+              <a:latin typeface="KoPub돋움체 Medium" panose="02020603020101020101" pitchFamily="18" charset="-127"/>
+              <a:ea typeface="KoPub돋움체 Medium" panose="02020603020101020101" pitchFamily="18" charset="-127"/>
+            </a:endParaRPr>
+          </a:p>
+        </p:txBody>
+      </p:sp>
+      <p:sp>
+        <p:nvSpPr>
+          <p:cNvPr id="11" name="화살표: 오각형 10">
+            <a:extLst>
+              <a:ext uri="{FF2B5EF4-FFF2-40B4-BE49-F238E27FC236}">
+                <a16:creationId xmlns:a16="http://schemas.microsoft.com/office/drawing/2014/main" id="{E6F59EE7-78E8-4674-B123-8593BAD4D71A}"/>
+              </a:ext>
+            </a:extLst>
+          </p:cNvPr>
+          <p:cNvSpPr/>
+          <p:nvPr/>
+        </p:nvSpPr>
+        <p:spPr>
+          <a:xfrm>
+            <a:off x="3497262" y="1392238"/>
+            <a:ext cx="2924176" cy="385762"/>
+          </a:xfrm>
+          <a:prstGeom prst="homePlate">
+            <a:avLst/>
+          </a:prstGeom>
+          <a:solidFill>
+            <a:schemeClr val="accent5">
+              <a:lumMod val="75000"/>
+            </a:schemeClr>
+          </a:solidFill>
+          <a:ln>
+            <a:noFill/>
+          </a:ln>
+        </p:spPr>
+        <p:style>
+          <a:lnRef idx="2">
+            <a:schemeClr val="accent1">
+              <a:shade val="50000"/>
+            </a:schemeClr>
+          </a:lnRef>
+          <a:fillRef idx="1">
+            <a:schemeClr val="accent1"/>
+          </a:fillRef>
+          <a:effectRef idx="0">
+            <a:schemeClr val="accent1"/>
+          </a:effectRef>
+          <a:fontRef idx="minor">
+            <a:schemeClr val="lt1"/>
+          </a:fontRef>
+        </p:style>
+        <p:txBody>
+          <a:bodyPr rot="0" spcFirstLastPara="0" vertOverflow="overflow" horzOverflow="overflow" vert="horz" wrap="square" lIns="91440" tIns="45720" rIns="91440" bIns="45720" numCol="1" spcCol="0" rtlCol="0" fromWordArt="0" anchor="ctr" anchorCtr="0" forceAA="0" compatLnSpc="1">
+            <a:prstTxWarp prst="textNoShape">
+              <a:avLst/>
+            </a:prstTxWarp>
+            <a:noAutofit/>
+          </a:bodyPr>
+          <a:lstStyle/>
+          <a:p>
+            <a:pPr algn="ctr"/>
+            <a:r>
+              <a:rPr lang="ko-KR" altLang="en-US">
+                <a:solidFill>
+                  <a:schemeClr val="bg1"/>
+                </a:solidFill>
+                <a:latin typeface="KoPub돋움체 Medium" panose="02020603020101020101" pitchFamily="18" charset="-127"/>
+                <a:ea typeface="KoPub돋움체 Medium" panose="02020603020101020101" pitchFamily="18" charset="-127"/>
+              </a:rPr>
+              <a:t>모델 </a:t>
+            </a:r>
+            <a:r>
+              <a:rPr lang="en-US" altLang="ko-KR" dirty="0">
+                <a:solidFill>
+                  <a:schemeClr val="bg1"/>
+                </a:solidFill>
+                <a:latin typeface="KoPub돋움체 Medium" panose="02020603020101020101" pitchFamily="18" charset="-127"/>
+                <a:ea typeface="KoPub돋움체 Medium" panose="02020603020101020101" pitchFamily="18" charset="-127"/>
+              </a:rPr>
+              <a:t>fit </a:t>
+            </a:r>
+            <a:r>
+              <a:rPr lang="ko-KR" altLang="en-US" dirty="0">
+                <a:solidFill>
+                  <a:schemeClr val="bg1"/>
+                </a:solidFill>
+                <a:latin typeface="KoPub돋움체 Medium" panose="02020603020101020101" pitchFamily="18" charset="-127"/>
+                <a:ea typeface="KoPub돋움체 Medium" panose="02020603020101020101" pitchFamily="18" charset="-127"/>
+              </a:rPr>
+              <a:t>및 성능확인</a:t>
+            </a:r>
+          </a:p>
+        </p:txBody>
+      </p:sp>
+      <p:sp>
+        <p:nvSpPr>
+          <p:cNvPr id="12" name="화살표: 오각형 11">
+            <a:extLst>
+              <a:ext uri="{FF2B5EF4-FFF2-40B4-BE49-F238E27FC236}">
+                <a16:creationId xmlns:a16="http://schemas.microsoft.com/office/drawing/2014/main" id="{87B7D680-8085-4DA7-8AE9-F25C727316CA}"/>
+              </a:ext>
+            </a:extLst>
+          </p:cNvPr>
+          <p:cNvSpPr/>
+          <p:nvPr/>
+        </p:nvSpPr>
+        <p:spPr>
+          <a:xfrm>
+            <a:off x="6645274" y="1392238"/>
+            <a:ext cx="2924176" cy="385762"/>
+          </a:xfrm>
+          <a:prstGeom prst="homePlate">
+            <a:avLst/>
+          </a:prstGeom>
+          <a:solidFill>
+            <a:schemeClr val="bg1">
+              <a:lumMod val="85000"/>
+            </a:schemeClr>
+          </a:solidFill>
+          <a:ln>
+            <a:noFill/>
+          </a:ln>
+        </p:spPr>
+        <p:style>
+          <a:lnRef idx="2">
+            <a:schemeClr val="accent1">
+              <a:shade val="50000"/>
+            </a:schemeClr>
+          </a:lnRef>
+          <a:fillRef idx="1">
+            <a:schemeClr val="accent1"/>
+          </a:fillRef>
+          <a:effectRef idx="0">
+            <a:schemeClr val="accent1"/>
+          </a:effectRef>
+          <a:fontRef idx="minor">
+            <a:schemeClr val="lt1"/>
+          </a:fontRef>
+        </p:style>
+        <p:txBody>
+          <a:bodyPr rtlCol="0" anchor="ctr"/>
+          <a:lstStyle/>
+          <a:p>
+            <a:pPr algn="ctr"/>
+            <a:r>
+              <a:rPr lang="ko-KR" altLang="en-US" dirty="0">
+                <a:solidFill>
+                  <a:schemeClr val="bg1"/>
+                </a:solidFill>
+                <a:latin typeface="KoPub돋움체 Medium" panose="02020603020101020101" pitchFamily="18" charset="-127"/>
+                <a:ea typeface="KoPub돋움체 Medium" panose="02020603020101020101" pitchFamily="18" charset="-127"/>
+              </a:rPr>
+              <a:t>예측모델 성능 향상</a:t>
+            </a:r>
+          </a:p>
+        </p:txBody>
+      </p:sp>
+      <p:sp>
+        <p:nvSpPr>
+          <p:cNvPr id="9" name="TextBox 8">
+            <a:extLst>
+              <a:ext uri="{FF2B5EF4-FFF2-40B4-BE49-F238E27FC236}">
+                <a16:creationId xmlns:a16="http://schemas.microsoft.com/office/drawing/2014/main" id="{24779D86-F0A9-4C28-B97A-665375F0B7A5}"/>
+              </a:ext>
+            </a:extLst>
+          </p:cNvPr>
+          <p:cNvSpPr txBox="1"/>
+          <p:nvPr/>
+        </p:nvSpPr>
+        <p:spPr>
+          <a:xfrm>
+            <a:off x="1344612" y="2027221"/>
+            <a:ext cx="2152650" cy="369332"/>
+          </a:xfrm>
+          <a:prstGeom prst="rect">
+            <a:avLst/>
+          </a:prstGeom>
+          <a:noFill/>
+        </p:spPr>
+        <p:txBody>
+          <a:bodyPr wrap="square" rtlCol="0">
+            <a:spAutoFit/>
+          </a:bodyPr>
+          <a:lstStyle/>
+          <a:p>
+            <a:pPr algn="ctr"/>
+            <a:r>
+              <a:rPr lang="en-US" altLang="ko-KR" b="1" dirty="0">
+                <a:latin typeface="KoPub돋움체 Medium" panose="02020603020101020101" pitchFamily="18" charset="-127"/>
+                <a:ea typeface="KoPub돋움체 Medium" panose="02020603020101020101" pitchFamily="18" charset="-127"/>
+              </a:rPr>
+              <a:t>&lt;</a:t>
+            </a:r>
+            <a:r>
+              <a:rPr lang="ko-KR" altLang="en-US" b="1" dirty="0">
+                <a:latin typeface="KoPub돋움체 Medium" panose="02020603020101020101" pitchFamily="18" charset="-127"/>
+                <a:ea typeface="KoPub돋움체 Medium" panose="02020603020101020101" pitchFamily="18" charset="-127"/>
+              </a:rPr>
+              <a:t>다른 모델 적용</a:t>
+            </a:r>
+            <a:r>
+              <a:rPr lang="en-US" altLang="ko-KR" b="1" dirty="0">
+                <a:latin typeface="KoPub돋움체 Medium" panose="02020603020101020101" pitchFamily="18" charset="-127"/>
+                <a:ea typeface="KoPub돋움체 Medium" panose="02020603020101020101" pitchFamily="18" charset="-127"/>
+              </a:rPr>
+              <a:t>&gt;</a:t>
+            </a:r>
+            <a:endParaRPr lang="ko-KR" altLang="en-US" b="1" dirty="0" err="1">
+              <a:latin typeface="KoPub돋움체 Medium" panose="02020603020101020101" pitchFamily="18" charset="-127"/>
+              <a:ea typeface="KoPub돋움체 Medium" panose="02020603020101020101" pitchFamily="18" charset="-127"/>
+            </a:endParaRPr>
+          </a:p>
+        </p:txBody>
+      </p:sp>
+      <p:pic>
+        <p:nvPicPr>
+          <p:cNvPr id="8" name="그림 7">
+            <a:extLst>
+              <a:ext uri="{FF2B5EF4-FFF2-40B4-BE49-F238E27FC236}">
+                <a16:creationId xmlns:a16="http://schemas.microsoft.com/office/drawing/2014/main" id="{53DFD208-EDDD-4BDD-ADEB-44716041F926}"/>
+              </a:ext>
+            </a:extLst>
+          </p:cNvPr>
+          <p:cNvPicPr>
+            <a:picLocks noChangeAspect="1"/>
+          </p:cNvPicPr>
+          <p:nvPr/>
+        </p:nvPicPr>
+        <p:blipFill>
+          <a:blip r:embed="rId2"/>
+          <a:stretch>
+            <a:fillRect/>
+          </a:stretch>
+        </p:blipFill>
+        <p:spPr>
+          <a:xfrm>
+            <a:off x="678830" y="2435712"/>
+            <a:ext cx="7335805" cy="1498113"/>
+          </a:xfrm>
+          <a:prstGeom prst="rect">
+            <a:avLst/>
+          </a:prstGeom>
+        </p:spPr>
+      </p:pic>
+      <p:pic>
+        <p:nvPicPr>
+          <p:cNvPr id="14" name="그림 13">
+            <a:extLst>
+              <a:ext uri="{FF2B5EF4-FFF2-40B4-BE49-F238E27FC236}">
+                <a16:creationId xmlns:a16="http://schemas.microsoft.com/office/drawing/2014/main" id="{AE320F85-843C-4FFD-B4D4-ABF3F75C3EC0}"/>
+              </a:ext>
+            </a:extLst>
+          </p:cNvPr>
+          <p:cNvPicPr>
+            <a:picLocks noChangeAspect="1"/>
+          </p:cNvPicPr>
+          <p:nvPr/>
+        </p:nvPicPr>
+        <p:blipFill>
+          <a:blip r:embed="rId3"/>
+          <a:stretch>
+            <a:fillRect/>
+          </a:stretch>
+        </p:blipFill>
+        <p:spPr>
+          <a:xfrm>
+            <a:off x="3460543" y="2866436"/>
+            <a:ext cx="5921789" cy="3308682"/>
+          </a:xfrm>
+          <a:prstGeom prst="rect">
+            <a:avLst/>
+          </a:prstGeom>
+        </p:spPr>
+      </p:pic>
+    </p:spTree>
+    <p:extLst>
+      <p:ext uri="{BB962C8B-B14F-4D97-AF65-F5344CB8AC3E}">
+        <p14:creationId xmlns:p14="http://schemas.microsoft.com/office/powerpoint/2010/main" val="2848472582"/>
+      </p:ext>
+    </p:extLst>
+  </p:cSld>
+  <p:clrMapOvr>
+    <a:masterClrMapping/>
+  </p:clrMapOvr>
+</p:sld>
+</file>
+
+<file path=ppt/slides/slide16.xml><?xml version="1.0" encoding="utf-8"?>
+<p:sld xmlns:a="http://schemas.openxmlformats.org/drawingml/2006/main" xmlns:r="http://schemas.openxmlformats.org/officeDocument/2006/relationships" xmlns:p="http://schemas.openxmlformats.org/presentationml/2006/main">
+  <p:cSld>
+    <p:spTree>
+      <p:nvGrpSpPr>
+        <p:cNvPr id="1" name=""/>
+        <p:cNvGrpSpPr/>
+        <p:nvPr/>
+      </p:nvGrpSpPr>
+      <p:grpSpPr>
+        <a:xfrm>
+          <a:off x="0" y="0"/>
+          <a:ext cx="0" cy="0"/>
+          <a:chOff x="0" y="0"/>
+          <a:chExt cx="0" cy="0"/>
+        </a:xfrm>
+      </p:grpSpPr>
+      <p:sp>
+        <p:nvSpPr>
+          <p:cNvPr id="20" name="직사각형 19">
+            <a:extLst>
+              <a:ext uri="{FF2B5EF4-FFF2-40B4-BE49-F238E27FC236}">
+                <a16:creationId xmlns:a16="http://schemas.microsoft.com/office/drawing/2014/main" id="{5756424C-A977-4B65-A58D-7816ED1E009D}"/>
+              </a:ext>
+            </a:extLst>
+          </p:cNvPr>
+          <p:cNvSpPr/>
+          <p:nvPr/>
+        </p:nvSpPr>
+        <p:spPr>
+          <a:xfrm>
+            <a:off x="415924" y="1557338"/>
+            <a:ext cx="9145589" cy="4751387"/>
+          </a:xfrm>
+          <a:prstGeom prst="rect">
+            <a:avLst/>
+          </a:prstGeom>
+          <a:noFill/>
+          <a:ln>
+            <a:solidFill>
+              <a:schemeClr val="bg1">
+                <a:lumMod val="75000"/>
+              </a:schemeClr>
+            </a:solidFill>
+          </a:ln>
+        </p:spPr>
+        <p:style>
+          <a:lnRef idx="2">
+            <a:schemeClr val="accent1">
+              <a:shade val="50000"/>
+            </a:schemeClr>
+          </a:lnRef>
+          <a:fillRef idx="1">
+            <a:schemeClr val="accent1"/>
+          </a:fillRef>
+          <a:effectRef idx="0">
+            <a:schemeClr val="accent1"/>
+          </a:effectRef>
+          <a:fontRef idx="minor">
+            <a:schemeClr val="lt1"/>
+          </a:fontRef>
+        </p:style>
+        <p:txBody>
+          <a:bodyPr rtlCol="0" anchor="ctr"/>
+          <a:lstStyle/>
+          <a:p>
+            <a:pPr algn="ctr"/>
+            <a:endParaRPr lang="ko-KR" altLang="en-US" dirty="0" err="1">
+              <a:solidFill>
+                <a:schemeClr val="tx1"/>
+              </a:solidFill>
+              <a:latin typeface="KoPub돋움체 Medium" panose="02020603020101020101" pitchFamily="18" charset="-127"/>
+              <a:ea typeface="KoPub돋움체 Medium" panose="02020603020101020101" pitchFamily="18" charset="-127"/>
+            </a:endParaRPr>
+          </a:p>
+        </p:txBody>
+      </p:sp>
+      <p:sp>
+        <p:nvSpPr>
+          <p:cNvPr id="2" name="텍스트 개체 틀 1">
+            <a:extLst>
+              <a:ext uri="{FF2B5EF4-FFF2-40B4-BE49-F238E27FC236}">
+                <a16:creationId xmlns:a16="http://schemas.microsoft.com/office/drawing/2014/main" id="{DE92D746-EB4C-47F0-AB95-C8E8A32A875A}"/>
+              </a:ext>
+            </a:extLst>
+          </p:cNvPr>
+          <p:cNvSpPr>
+            <a:spLocks noGrp="1"/>
+          </p:cNvSpPr>
+          <p:nvPr>
+            <p:ph type="body" sz="quarter" idx="11"/>
+          </p:nvPr>
+        </p:nvSpPr>
+        <p:spPr/>
+        <p:txBody>
+          <a:bodyPr/>
+          <a:lstStyle/>
+          <a:p>
+            <a:r>
+              <a:rPr lang="ko-KR" altLang="en-US" dirty="0"/>
+              <a:t>원본 데이터에서 전처리를 위해 크게</a:t>
+            </a:r>
+            <a:r>
+              <a:rPr lang="en-US" altLang="ko-KR" dirty="0"/>
+              <a:t> </a:t>
+            </a:r>
+            <a:r>
+              <a:rPr lang="ko-KR" altLang="en-US" dirty="0" err="1"/>
+              <a:t>결측치</a:t>
+            </a:r>
+            <a:r>
+              <a:rPr lang="ko-KR" altLang="en-US" dirty="0"/>
+              <a:t> 확인 후 제거 및 대체</a:t>
+            </a:r>
+            <a:r>
+              <a:rPr lang="en-US" altLang="ko-KR" dirty="0"/>
+              <a:t>, </a:t>
+            </a:r>
+            <a:r>
+              <a:rPr lang="ko-KR" altLang="en-US" dirty="0"/>
+              <a:t>노후 데이터 제거</a:t>
+            </a:r>
+            <a:r>
+              <a:rPr lang="en-US" altLang="ko-KR" dirty="0"/>
+              <a:t>, </a:t>
+            </a:r>
+            <a:r>
+              <a:rPr lang="ko-KR" altLang="en-US" dirty="0"/>
+              <a:t>경력 데이터 생성 및 삽입</a:t>
+            </a:r>
+            <a:r>
+              <a:rPr lang="en-US" altLang="ko-KR" dirty="0"/>
+              <a:t>, </a:t>
+            </a:r>
+            <a:r>
+              <a:rPr lang="ko-KR" altLang="en-US" dirty="0"/>
+              <a:t>범주형 데이터 변환의 네 가지 활동을 진행함</a:t>
+            </a:r>
+            <a:r>
+              <a:rPr lang="en-US" altLang="ko-KR" dirty="0"/>
+              <a:t>.</a:t>
+            </a:r>
+            <a:endParaRPr lang="ko-KR" altLang="en-US" dirty="0"/>
+          </a:p>
+        </p:txBody>
+      </p:sp>
+      <p:sp>
+        <p:nvSpPr>
+          <p:cNvPr id="3" name="제목 2">
+            <a:extLst>
+              <a:ext uri="{FF2B5EF4-FFF2-40B4-BE49-F238E27FC236}">
+                <a16:creationId xmlns:a16="http://schemas.microsoft.com/office/drawing/2014/main" id="{99A2F38D-A957-4CD7-B4CB-B01AD5C9E43C}"/>
+              </a:ext>
+            </a:extLst>
+          </p:cNvPr>
+          <p:cNvSpPr>
+            <a:spLocks noGrp="1"/>
+          </p:cNvSpPr>
+          <p:nvPr>
+            <p:ph type="title"/>
+          </p:nvPr>
+        </p:nvSpPr>
+        <p:spPr/>
+        <p:txBody>
+          <a:bodyPr/>
+          <a:lstStyle/>
+          <a:p>
+            <a:r>
+              <a:rPr lang="ko-KR" altLang="en-US" dirty="0"/>
+              <a:t>분석 내용 </a:t>
+            </a:r>
+            <a:r>
+              <a:rPr lang="en-US" altLang="ko-KR" dirty="0"/>
+              <a:t>_ </a:t>
+            </a:r>
+            <a:r>
+              <a:rPr lang="en-US" altLang="ko-KR" sz="1800" dirty="0"/>
+              <a:t>2) </a:t>
+            </a:r>
+            <a:r>
+              <a:rPr lang="ko-KR" altLang="en-US" sz="1800" dirty="0"/>
+              <a:t>모델 </a:t>
+            </a:r>
+            <a:r>
+              <a:rPr lang="en-US" altLang="ko-KR" sz="1800" dirty="0"/>
+              <a:t>fit</a:t>
+            </a:r>
+            <a:r>
+              <a:rPr lang="ko-KR" altLang="en-US" sz="1800" dirty="0"/>
+              <a:t> 및 성능 확인</a:t>
+            </a:r>
+            <a:endParaRPr lang="ko-KR" altLang="en-US" dirty="0"/>
+          </a:p>
+        </p:txBody>
+      </p:sp>
+      <p:sp>
+        <p:nvSpPr>
+          <p:cNvPr id="10" name="화살표: 오각형 9">
+            <a:extLst>
+              <a:ext uri="{FF2B5EF4-FFF2-40B4-BE49-F238E27FC236}">
+                <a16:creationId xmlns:a16="http://schemas.microsoft.com/office/drawing/2014/main" id="{17A875CD-5921-4EC8-AFCE-8515F2ACBC7B}"/>
+              </a:ext>
+            </a:extLst>
+          </p:cNvPr>
+          <p:cNvSpPr/>
+          <p:nvPr/>
+        </p:nvSpPr>
+        <p:spPr>
+          <a:xfrm>
+            <a:off x="415924" y="1392239"/>
+            <a:ext cx="2924176" cy="385762"/>
+          </a:xfrm>
+          <a:prstGeom prst="homePlate">
+            <a:avLst/>
+          </a:prstGeom>
+          <a:solidFill>
+            <a:schemeClr val="bg1">
+              <a:lumMod val="85000"/>
+            </a:schemeClr>
+          </a:solidFill>
+          <a:ln>
+            <a:noFill/>
+          </a:ln>
+        </p:spPr>
+        <p:style>
+          <a:lnRef idx="2">
+            <a:schemeClr val="accent1">
+              <a:shade val="50000"/>
+            </a:schemeClr>
+          </a:lnRef>
+          <a:fillRef idx="1">
+            <a:schemeClr val="accent1"/>
+          </a:fillRef>
+          <a:effectRef idx="0">
+            <a:schemeClr val="accent1"/>
+          </a:effectRef>
+          <a:fontRef idx="minor">
+            <a:schemeClr val="lt1"/>
+          </a:fontRef>
+        </p:style>
+        <p:txBody>
+          <a:bodyPr rot="0" spcFirstLastPara="0" vertOverflow="overflow" horzOverflow="overflow" vert="horz" wrap="square" lIns="91440" tIns="45720" rIns="91440" bIns="45720" numCol="1" spcCol="0" rtlCol="0" fromWordArt="0" anchor="ctr" anchorCtr="0" forceAA="0" compatLnSpc="1">
+            <a:prstTxWarp prst="textNoShape">
+              <a:avLst/>
+            </a:prstTxWarp>
+            <a:noAutofit/>
+          </a:bodyPr>
+          <a:lstStyle/>
+          <a:p>
+            <a:pPr algn="ctr"/>
+            <a:r>
+              <a:rPr lang="ko-KR" altLang="en-US" dirty="0">
+                <a:solidFill>
+                  <a:schemeClr val="bg1"/>
+                </a:solidFill>
+                <a:latin typeface="KoPub돋움체 Medium" panose="02020603020101020101" pitchFamily="18" charset="-127"/>
+                <a:ea typeface="KoPub돋움체 Medium" panose="02020603020101020101" pitchFamily="18" charset="-127"/>
+              </a:rPr>
+              <a:t>데이터 </a:t>
+            </a:r>
+            <a:r>
+              <a:rPr lang="ko-KR" altLang="en-US" dirty="0" err="1">
+                <a:solidFill>
+                  <a:schemeClr val="bg1"/>
+                </a:solidFill>
+                <a:latin typeface="KoPub돋움체 Medium" panose="02020603020101020101" pitchFamily="18" charset="-127"/>
+                <a:ea typeface="KoPub돋움체 Medium" panose="02020603020101020101" pitchFamily="18" charset="-127"/>
+              </a:rPr>
+              <a:t>전처리</a:t>
+            </a:r>
+            <a:endParaRPr lang="ko-KR" altLang="en-US" dirty="0">
+              <a:solidFill>
+                <a:schemeClr val="bg1"/>
+              </a:solidFill>
+              <a:latin typeface="KoPub돋움체 Medium" panose="02020603020101020101" pitchFamily="18" charset="-127"/>
+              <a:ea typeface="KoPub돋움체 Medium" panose="02020603020101020101" pitchFamily="18" charset="-127"/>
+            </a:endParaRPr>
+          </a:p>
+        </p:txBody>
+      </p:sp>
+      <p:sp>
+        <p:nvSpPr>
+          <p:cNvPr id="11" name="화살표: 오각형 10">
+            <a:extLst>
+              <a:ext uri="{FF2B5EF4-FFF2-40B4-BE49-F238E27FC236}">
+                <a16:creationId xmlns:a16="http://schemas.microsoft.com/office/drawing/2014/main" id="{E6F59EE7-78E8-4674-B123-8593BAD4D71A}"/>
+              </a:ext>
+            </a:extLst>
+          </p:cNvPr>
+          <p:cNvSpPr/>
+          <p:nvPr/>
+        </p:nvSpPr>
+        <p:spPr>
+          <a:xfrm>
+            <a:off x="3497262" y="1392238"/>
+            <a:ext cx="2924176" cy="385762"/>
+          </a:xfrm>
+          <a:prstGeom prst="homePlate">
+            <a:avLst/>
+          </a:prstGeom>
+          <a:solidFill>
+            <a:schemeClr val="accent5">
+              <a:lumMod val="75000"/>
+            </a:schemeClr>
+          </a:solidFill>
+          <a:ln>
+            <a:noFill/>
+          </a:ln>
+        </p:spPr>
+        <p:style>
+          <a:lnRef idx="2">
+            <a:schemeClr val="accent1">
+              <a:shade val="50000"/>
+            </a:schemeClr>
+          </a:lnRef>
+          <a:fillRef idx="1">
+            <a:schemeClr val="accent1"/>
+          </a:fillRef>
+          <a:effectRef idx="0">
+            <a:schemeClr val="accent1"/>
+          </a:effectRef>
+          <a:fontRef idx="minor">
+            <a:schemeClr val="lt1"/>
+          </a:fontRef>
+        </p:style>
+        <p:txBody>
+          <a:bodyPr rot="0" spcFirstLastPara="0" vertOverflow="overflow" horzOverflow="overflow" vert="horz" wrap="square" lIns="91440" tIns="45720" rIns="91440" bIns="45720" numCol="1" spcCol="0" rtlCol="0" fromWordArt="0" anchor="ctr" anchorCtr="0" forceAA="0" compatLnSpc="1">
+            <a:prstTxWarp prst="textNoShape">
+              <a:avLst/>
+            </a:prstTxWarp>
+            <a:noAutofit/>
+          </a:bodyPr>
+          <a:lstStyle/>
+          <a:p>
+            <a:pPr algn="ctr"/>
+            <a:r>
+              <a:rPr lang="ko-KR" altLang="en-US">
+                <a:solidFill>
+                  <a:schemeClr val="bg1"/>
+                </a:solidFill>
+                <a:latin typeface="KoPub돋움체 Medium" panose="02020603020101020101" pitchFamily="18" charset="-127"/>
+                <a:ea typeface="KoPub돋움체 Medium" panose="02020603020101020101" pitchFamily="18" charset="-127"/>
+              </a:rPr>
+              <a:t>모델 </a:t>
+            </a:r>
+            <a:r>
+              <a:rPr lang="en-US" altLang="ko-KR" dirty="0">
+                <a:solidFill>
+                  <a:schemeClr val="bg1"/>
+                </a:solidFill>
+                <a:latin typeface="KoPub돋움체 Medium" panose="02020603020101020101" pitchFamily="18" charset="-127"/>
+                <a:ea typeface="KoPub돋움체 Medium" panose="02020603020101020101" pitchFamily="18" charset="-127"/>
+              </a:rPr>
+              <a:t>fit </a:t>
+            </a:r>
+            <a:r>
+              <a:rPr lang="ko-KR" altLang="en-US" dirty="0">
+                <a:solidFill>
+                  <a:schemeClr val="bg1"/>
+                </a:solidFill>
+                <a:latin typeface="KoPub돋움체 Medium" panose="02020603020101020101" pitchFamily="18" charset="-127"/>
+                <a:ea typeface="KoPub돋움체 Medium" panose="02020603020101020101" pitchFamily="18" charset="-127"/>
+              </a:rPr>
+              <a:t>및 성능확인</a:t>
+            </a:r>
+          </a:p>
+        </p:txBody>
+      </p:sp>
+      <p:sp>
+        <p:nvSpPr>
+          <p:cNvPr id="12" name="화살표: 오각형 11">
+            <a:extLst>
+              <a:ext uri="{FF2B5EF4-FFF2-40B4-BE49-F238E27FC236}">
+                <a16:creationId xmlns:a16="http://schemas.microsoft.com/office/drawing/2014/main" id="{87B7D680-8085-4DA7-8AE9-F25C727316CA}"/>
+              </a:ext>
+            </a:extLst>
+          </p:cNvPr>
+          <p:cNvSpPr/>
+          <p:nvPr/>
+        </p:nvSpPr>
+        <p:spPr>
+          <a:xfrm>
+            <a:off x="6645274" y="1392238"/>
+            <a:ext cx="2924176" cy="385762"/>
+          </a:xfrm>
+          <a:prstGeom prst="homePlate">
+            <a:avLst/>
+          </a:prstGeom>
+          <a:solidFill>
+            <a:schemeClr val="bg1">
+              <a:lumMod val="85000"/>
+            </a:schemeClr>
+          </a:solidFill>
+          <a:ln>
+            <a:noFill/>
+          </a:ln>
+        </p:spPr>
+        <p:style>
+          <a:lnRef idx="2">
+            <a:schemeClr val="accent1">
+              <a:shade val="50000"/>
+            </a:schemeClr>
+          </a:lnRef>
+          <a:fillRef idx="1">
+            <a:schemeClr val="accent1"/>
+          </a:fillRef>
+          <a:effectRef idx="0">
+            <a:schemeClr val="accent1"/>
+          </a:effectRef>
+          <a:fontRef idx="minor">
+            <a:schemeClr val="lt1"/>
+          </a:fontRef>
+        </p:style>
+        <p:txBody>
+          <a:bodyPr rtlCol="0" anchor="ctr"/>
+          <a:lstStyle/>
+          <a:p>
+            <a:pPr algn="ctr"/>
+            <a:r>
+              <a:rPr lang="ko-KR" altLang="en-US" dirty="0">
+                <a:solidFill>
+                  <a:schemeClr val="bg1"/>
+                </a:solidFill>
+                <a:latin typeface="KoPub돋움체 Medium" panose="02020603020101020101" pitchFamily="18" charset="-127"/>
+                <a:ea typeface="KoPub돋움체 Medium" panose="02020603020101020101" pitchFamily="18" charset="-127"/>
+              </a:rPr>
+              <a:t>예측모델 성능 향상</a:t>
+            </a:r>
+          </a:p>
+        </p:txBody>
+      </p:sp>
+      <p:sp>
+        <p:nvSpPr>
+          <p:cNvPr id="9" name="TextBox 8">
+            <a:extLst>
+              <a:ext uri="{FF2B5EF4-FFF2-40B4-BE49-F238E27FC236}">
+                <a16:creationId xmlns:a16="http://schemas.microsoft.com/office/drawing/2014/main" id="{24779D86-F0A9-4C28-B97A-665375F0B7A5}"/>
+              </a:ext>
+            </a:extLst>
+          </p:cNvPr>
+          <p:cNvSpPr txBox="1"/>
+          <p:nvPr/>
+        </p:nvSpPr>
+        <p:spPr>
+          <a:xfrm>
+            <a:off x="1344612" y="2027221"/>
+            <a:ext cx="2152650" cy="369332"/>
+          </a:xfrm>
+          <a:prstGeom prst="rect">
+            <a:avLst/>
+          </a:prstGeom>
+          <a:noFill/>
+        </p:spPr>
+        <p:txBody>
+          <a:bodyPr wrap="square" rtlCol="0">
+            <a:spAutoFit/>
+          </a:bodyPr>
+          <a:lstStyle/>
+          <a:p>
+            <a:pPr algn="ctr"/>
+            <a:r>
+              <a:rPr lang="en-US" altLang="ko-KR" b="1" dirty="0">
+                <a:latin typeface="KoPub돋움체 Medium" panose="02020603020101020101" pitchFamily="18" charset="-127"/>
+                <a:ea typeface="KoPub돋움체 Medium" panose="02020603020101020101" pitchFamily="18" charset="-127"/>
+              </a:rPr>
+              <a:t>&lt;</a:t>
+            </a:r>
+            <a:r>
+              <a:rPr lang="ko-KR" altLang="en-US" b="1" dirty="0">
+                <a:latin typeface="KoPub돋움체 Medium" panose="02020603020101020101" pitchFamily="18" charset="-127"/>
+                <a:ea typeface="KoPub돋움체 Medium" panose="02020603020101020101" pitchFamily="18" charset="-127"/>
+              </a:rPr>
+              <a:t>다른 모델 적용</a:t>
+            </a:r>
+            <a:r>
+              <a:rPr lang="en-US" altLang="ko-KR" b="1" dirty="0">
+                <a:latin typeface="KoPub돋움체 Medium" panose="02020603020101020101" pitchFamily="18" charset="-127"/>
+                <a:ea typeface="KoPub돋움체 Medium" panose="02020603020101020101" pitchFamily="18" charset="-127"/>
+              </a:rPr>
+              <a:t>&gt;</a:t>
+            </a:r>
+            <a:endParaRPr lang="ko-KR" altLang="en-US" b="1" dirty="0" err="1">
+              <a:latin typeface="KoPub돋움체 Medium" panose="02020603020101020101" pitchFamily="18" charset="-127"/>
+              <a:ea typeface="KoPub돋움체 Medium" panose="02020603020101020101" pitchFamily="18" charset="-127"/>
+            </a:endParaRPr>
+          </a:p>
+        </p:txBody>
+      </p:sp>
+      <p:pic>
+        <p:nvPicPr>
+          <p:cNvPr id="5" name="그림 4">
+            <a:extLst>
+              <a:ext uri="{FF2B5EF4-FFF2-40B4-BE49-F238E27FC236}">
+                <a16:creationId xmlns:a16="http://schemas.microsoft.com/office/drawing/2014/main" id="{E0F83230-CC11-471B-9961-27612E1F07D1}"/>
+              </a:ext>
+            </a:extLst>
+          </p:cNvPr>
+          <p:cNvPicPr>
+            <a:picLocks noChangeAspect="1"/>
+          </p:cNvPicPr>
+          <p:nvPr/>
+        </p:nvPicPr>
+        <p:blipFill rotWithShape="1">
+          <a:blip r:embed="rId2"/>
+          <a:srcRect b="41389"/>
+          <a:stretch/>
+        </p:blipFill>
+        <p:spPr>
+          <a:xfrm>
+            <a:off x="769683" y="2549508"/>
+            <a:ext cx="3926493" cy="3365156"/>
+          </a:xfrm>
+          <a:prstGeom prst="rect">
+            <a:avLst/>
+          </a:prstGeom>
+        </p:spPr>
+      </p:pic>
+      <p:pic>
+        <p:nvPicPr>
+          <p:cNvPr id="13" name="그림 12">
+            <a:extLst>
+              <a:ext uri="{FF2B5EF4-FFF2-40B4-BE49-F238E27FC236}">
+                <a16:creationId xmlns:a16="http://schemas.microsoft.com/office/drawing/2014/main" id="{551BC13C-FEC6-4AB8-B3CC-B7C803BE0FD1}"/>
+              </a:ext>
+            </a:extLst>
+          </p:cNvPr>
+          <p:cNvPicPr>
+            <a:picLocks noChangeAspect="1"/>
+          </p:cNvPicPr>
+          <p:nvPr/>
+        </p:nvPicPr>
+        <p:blipFill rotWithShape="1">
+          <a:blip r:embed="rId2"/>
+          <a:srcRect t="58611"/>
+          <a:stretch/>
+        </p:blipFill>
+        <p:spPr>
+          <a:xfrm>
+            <a:off x="5169948" y="2549508"/>
+            <a:ext cx="3926493" cy="2376328"/>
+          </a:xfrm>
+          <a:prstGeom prst="rect">
+            <a:avLst/>
+          </a:prstGeom>
+        </p:spPr>
+      </p:pic>
+    </p:spTree>
+    <p:extLst>
+      <p:ext uri="{BB962C8B-B14F-4D97-AF65-F5344CB8AC3E}">
+        <p14:creationId xmlns:p14="http://schemas.microsoft.com/office/powerpoint/2010/main" val="2712613624"/>
       </p:ext>
     </p:extLst>
   </p:cSld>
@@ -12216,8 +14344,8 @@
             <a:avLst/>
           </a:prstGeom>
           <a:solidFill>
-            <a:schemeClr val="bg1">
-              <a:lumMod val="85000"/>
+            <a:schemeClr val="accent5">
+              <a:lumMod val="75000"/>
             </a:schemeClr>
           </a:solidFill>
           <a:ln>
@@ -12309,8 +14437,8 @@
             <a:avLst/>
           </a:prstGeom>
           <a:solidFill>
-            <a:schemeClr val="bg1">
-              <a:lumMod val="85000"/>
+            <a:schemeClr val="accent5">
+              <a:lumMod val="75000"/>
             </a:schemeClr>
           </a:solidFill>
           <a:ln>
@@ -12363,10 +14491,10 @@
       </p:sp>
       <p:sp>
         <p:nvSpPr>
-          <p:cNvPr id="4" name="직사각형 3">
+          <p:cNvPr id="13" name="직사각형 12">
             <a:extLst>
               <a:ext uri="{FF2B5EF4-FFF2-40B4-BE49-F238E27FC236}">
-                <a16:creationId xmlns:a16="http://schemas.microsoft.com/office/drawing/2014/main" id="{2B0E519E-A25A-49A0-BA5A-A00BA625A3E4}"/>
+                <a16:creationId xmlns:a16="http://schemas.microsoft.com/office/drawing/2014/main" id="{147B506A-8664-48CE-9E04-97604860B1DF}"/>
               </a:ext>
             </a:extLst>
           </p:cNvPr>
@@ -12375,14 +14503,16 @@
         </p:nvSpPr>
         <p:spPr>
           <a:xfrm>
-            <a:off x="2286000" y="3111500"/>
-            <a:ext cx="5334000" cy="2354261"/>
+            <a:off x="606287" y="2077278"/>
+            <a:ext cx="2623930" cy="894298"/>
           </a:xfrm>
           <a:prstGeom prst="rect">
             <a:avLst/>
           </a:prstGeom>
           <a:solidFill>
-            <a:srgbClr val="FDDC2F"/>
+            <a:schemeClr val="bg1">
+              <a:lumMod val="95000"/>
+            </a:schemeClr>
           </a:solidFill>
           <a:ln>
             <a:noFill/>
@@ -12410,6 +14540,16 @@
           <a:p>
             <a:pPr algn="ctr"/>
             <a:r>
+              <a:rPr lang="ko-KR" altLang="en-US" dirty="0" err="1">
+                <a:solidFill>
+                  <a:schemeClr val="tx1"/>
+                </a:solidFill>
+                <a:latin typeface="KoPub돋움체 Medium" panose="02020603020101020101" pitchFamily="18" charset="-127"/>
+                <a:ea typeface="KoPub돋움체 Medium" panose="02020603020101020101" pitchFamily="18" charset="-127"/>
+              </a:rPr>
+              <a:t>결측치</a:t>
+            </a:r>
+            <a:r>
               <a:rPr lang="ko-KR" altLang="en-US" dirty="0">
                 <a:solidFill>
                   <a:schemeClr val="tx1"/>
@@ -12417,7 +14557,7 @@
                 <a:latin typeface="KoPub돋움체 Medium" panose="02020603020101020101" pitchFamily="18" charset="-127"/>
                 <a:ea typeface="KoPub돋움체 Medium" panose="02020603020101020101" pitchFamily="18" charset="-127"/>
               </a:rPr>
-              <a:t>여기는 뒤에 모델도 정리가 되고 나면 한 판 정리해주는 페이지</a:t>
+              <a:t> 확인 및 제거 </a:t>
             </a:r>
             <a:r>
               <a:rPr lang="en-US" altLang="ko-KR" dirty="0">
@@ -12427,9 +14567,69 @@
                 <a:latin typeface="KoPub돋움체 Medium" panose="02020603020101020101" pitchFamily="18" charset="-127"/>
                 <a:ea typeface="KoPub돋움체 Medium" panose="02020603020101020101" pitchFamily="18" charset="-127"/>
               </a:rPr>
-              <a:t>!</a:t>
-            </a:r>
-          </a:p>
+              <a:t>&amp; </a:t>
+            </a:r>
+            <a:r>
+              <a:rPr lang="ko-KR" altLang="en-US" dirty="0">
+                <a:solidFill>
+                  <a:schemeClr val="tx1"/>
+                </a:solidFill>
+                <a:latin typeface="KoPub돋움체 Medium" panose="02020603020101020101" pitchFamily="18" charset="-127"/>
+                <a:ea typeface="KoPub돋움체 Medium" panose="02020603020101020101" pitchFamily="18" charset="-127"/>
+              </a:rPr>
+              <a:t>대체</a:t>
+            </a:r>
+          </a:p>
+        </p:txBody>
+      </p:sp>
+      <p:sp>
+        <p:nvSpPr>
+          <p:cNvPr id="14" name="직사각형 13">
+            <a:extLst>
+              <a:ext uri="{FF2B5EF4-FFF2-40B4-BE49-F238E27FC236}">
+                <a16:creationId xmlns:a16="http://schemas.microsoft.com/office/drawing/2014/main" id="{4026458B-1C0F-402C-A6AD-D3389A19CCF0}"/>
+              </a:ext>
+            </a:extLst>
+          </p:cNvPr>
+          <p:cNvSpPr/>
+          <p:nvPr/>
+        </p:nvSpPr>
+        <p:spPr>
+          <a:xfrm>
+            <a:off x="606287" y="3105256"/>
+            <a:ext cx="2623930" cy="894298"/>
+          </a:xfrm>
+          <a:prstGeom prst="rect">
+            <a:avLst/>
+          </a:prstGeom>
+          <a:solidFill>
+            <a:schemeClr val="bg1">
+              <a:lumMod val="95000"/>
+            </a:schemeClr>
+          </a:solidFill>
+          <a:ln>
+            <a:noFill/>
+          </a:ln>
+        </p:spPr>
+        <p:style>
+          <a:lnRef idx="2">
+            <a:schemeClr val="accent1">
+              <a:shade val="50000"/>
+            </a:schemeClr>
+          </a:lnRef>
+          <a:fillRef idx="1">
+            <a:schemeClr val="accent1"/>
+          </a:fillRef>
+          <a:effectRef idx="0">
+            <a:schemeClr val="accent1"/>
+          </a:effectRef>
+          <a:fontRef idx="minor">
+            <a:schemeClr val="lt1"/>
+          </a:fontRef>
+        </p:style>
+        <p:txBody>
+          <a:bodyPr rtlCol="0" anchor="ctr"/>
+          <a:lstStyle/>
           <a:p>
             <a:pPr algn="ctr"/>
             <a:r>
@@ -12440,17 +14640,80 @@
                 <a:latin typeface="KoPub돋움체 Medium" panose="02020603020101020101" pitchFamily="18" charset="-127"/>
                 <a:ea typeface="KoPub돋움체 Medium" panose="02020603020101020101" pitchFamily="18" charset="-127"/>
               </a:rPr>
-              <a:t>아직은 전체 프로세스가 내 머리에 </a:t>
-            </a:r>
-            <a:r>
-              <a:rPr lang="ko-KR" altLang="en-US" dirty="0" err="1">
+              <a:t>노후 데이터 제거</a:t>
+            </a:r>
+          </a:p>
+        </p:txBody>
+      </p:sp>
+      <p:sp>
+        <p:nvSpPr>
+          <p:cNvPr id="15" name="직사각형 14">
+            <a:extLst>
+              <a:ext uri="{FF2B5EF4-FFF2-40B4-BE49-F238E27FC236}">
+                <a16:creationId xmlns:a16="http://schemas.microsoft.com/office/drawing/2014/main" id="{C4B6B6F4-C3C3-47D9-A1A6-10BA05C19D6D}"/>
+              </a:ext>
+            </a:extLst>
+          </p:cNvPr>
+          <p:cNvSpPr/>
+          <p:nvPr/>
+        </p:nvSpPr>
+        <p:spPr>
+          <a:xfrm>
+            <a:off x="606287" y="4149607"/>
+            <a:ext cx="2623930" cy="894298"/>
+          </a:xfrm>
+          <a:prstGeom prst="rect">
+            <a:avLst/>
+          </a:prstGeom>
+          <a:solidFill>
+            <a:schemeClr val="bg1">
+              <a:lumMod val="95000"/>
+            </a:schemeClr>
+          </a:solidFill>
+          <a:ln>
+            <a:noFill/>
+          </a:ln>
+        </p:spPr>
+        <p:style>
+          <a:lnRef idx="2">
+            <a:schemeClr val="accent1">
+              <a:shade val="50000"/>
+            </a:schemeClr>
+          </a:lnRef>
+          <a:fillRef idx="1">
+            <a:schemeClr val="accent1"/>
+          </a:fillRef>
+          <a:effectRef idx="0">
+            <a:schemeClr val="accent1"/>
+          </a:effectRef>
+          <a:fontRef idx="minor">
+            <a:schemeClr val="lt1"/>
+          </a:fontRef>
+        </p:style>
+        <p:txBody>
+          <a:bodyPr rtlCol="0" anchor="ctr"/>
+          <a:lstStyle/>
+          <a:p>
+            <a:pPr algn="ctr"/>
+            <a:r>
+              <a:rPr lang="ko-KR" altLang="en-US" dirty="0">
                 <a:solidFill>
                   <a:schemeClr val="tx1"/>
                 </a:solidFill>
                 <a:latin typeface="KoPub돋움체 Medium" panose="02020603020101020101" pitchFamily="18" charset="-127"/>
                 <a:ea typeface="KoPub돋움체 Medium" panose="02020603020101020101" pitchFamily="18" charset="-127"/>
               </a:rPr>
-              <a:t>안그려져서</a:t>
+              <a:t>경력 데이터 삽입 </a:t>
+            </a:r>
+            <a:r>
+              <a:rPr lang="en-US" altLang="ko-KR" dirty="0">
+                <a:solidFill>
+                  <a:schemeClr val="tx1"/>
+                </a:solidFill>
+                <a:latin typeface="KoPub돋움체 Medium" panose="02020603020101020101" pitchFamily="18" charset="-127"/>
+                <a:ea typeface="KoPub돋움체 Medium" panose="02020603020101020101" pitchFamily="18" charset="-127"/>
+              </a:rPr>
+              <a:t>(</a:t>
             </a:r>
             <a:r>
               <a:rPr lang="ko-KR" altLang="en-US" dirty="0">
@@ -12460,47 +14723,17 @@
                 <a:latin typeface="KoPub돋움체 Medium" panose="02020603020101020101" pitchFamily="18" charset="-127"/>
                 <a:ea typeface="KoPub돋움체 Medium" panose="02020603020101020101" pitchFamily="18" charset="-127"/>
               </a:rPr>
-              <a:t> 한 </a:t>
-            </a:r>
-            <a:r>
-              <a:rPr lang="ko-KR" altLang="en-US" dirty="0" err="1">
+              <a:t>컬럼생성</a:t>
+            </a:r>
+            <a:r>
+              <a:rPr lang="en-US" altLang="ko-KR" dirty="0">
                 <a:solidFill>
                   <a:schemeClr val="tx1"/>
                 </a:solidFill>
                 <a:latin typeface="KoPub돋움체 Medium" panose="02020603020101020101" pitchFamily="18" charset="-127"/>
                 <a:ea typeface="KoPub돋움체 Medium" panose="02020603020101020101" pitchFamily="18" charset="-127"/>
               </a:rPr>
-              <a:t>페이지씩</a:t>
-            </a:r>
-            <a:r>
-              <a:rPr lang="ko-KR" altLang="en-US" dirty="0">
-                <a:solidFill>
-                  <a:schemeClr val="tx1"/>
-                </a:solidFill>
-                <a:latin typeface="KoPub돋움체 Medium" panose="02020603020101020101" pitchFamily="18" charset="-127"/>
-                <a:ea typeface="KoPub돋움체 Medium" panose="02020603020101020101" pitchFamily="18" charset="-127"/>
-              </a:rPr>
-              <a:t> 만들고서 여기 </a:t>
-            </a:r>
-            <a:r>
-              <a:rPr lang="ko-KR" altLang="en-US" dirty="0" err="1">
-                <a:solidFill>
-                  <a:schemeClr val="tx1"/>
-                </a:solidFill>
-                <a:latin typeface="KoPub돋움체 Medium" panose="02020603020101020101" pitchFamily="18" charset="-127"/>
-                <a:ea typeface="KoPub돋움체 Medium" panose="02020603020101020101" pitchFamily="18" charset="-127"/>
-              </a:rPr>
-              <a:t>채울게</a:t>
-            </a:r>
-            <a:r>
-              <a:rPr lang="en-US" altLang="ko-KR" dirty="0">
-                <a:solidFill>
-                  <a:schemeClr val="tx1"/>
-                </a:solidFill>
-                <a:latin typeface="KoPub돋움체 Medium" panose="02020603020101020101" pitchFamily="18" charset="-127"/>
-                <a:ea typeface="KoPub돋움체 Medium" panose="02020603020101020101" pitchFamily="18" charset="-127"/>
-              </a:rPr>
-              <a:t>!</a:t>
+              <a:t>)</a:t>
             </a:r>
             <a:endParaRPr lang="ko-KR" altLang="en-US" dirty="0" err="1">
               <a:solidFill>
@@ -12509,6 +14742,376 @@
               <a:latin typeface="KoPub돋움체 Medium" panose="02020603020101020101" pitchFamily="18" charset="-127"/>
               <a:ea typeface="KoPub돋움체 Medium" panose="02020603020101020101" pitchFamily="18" charset="-127"/>
             </a:endParaRPr>
+          </a:p>
+        </p:txBody>
+      </p:sp>
+      <p:sp>
+        <p:nvSpPr>
+          <p:cNvPr id="16" name="직사각형 15">
+            <a:extLst>
+              <a:ext uri="{FF2B5EF4-FFF2-40B4-BE49-F238E27FC236}">
+                <a16:creationId xmlns:a16="http://schemas.microsoft.com/office/drawing/2014/main" id="{25290B3C-B082-44CF-BD1F-068E66F42EE6}"/>
+              </a:ext>
+            </a:extLst>
+          </p:cNvPr>
+          <p:cNvSpPr/>
+          <p:nvPr/>
+        </p:nvSpPr>
+        <p:spPr>
+          <a:xfrm>
+            <a:off x="606287" y="5178841"/>
+            <a:ext cx="2623930" cy="894298"/>
+          </a:xfrm>
+          <a:prstGeom prst="rect">
+            <a:avLst/>
+          </a:prstGeom>
+          <a:solidFill>
+            <a:schemeClr val="bg1">
+              <a:lumMod val="95000"/>
+            </a:schemeClr>
+          </a:solidFill>
+          <a:ln>
+            <a:noFill/>
+          </a:ln>
+        </p:spPr>
+        <p:style>
+          <a:lnRef idx="2">
+            <a:schemeClr val="accent1">
+              <a:shade val="50000"/>
+            </a:schemeClr>
+          </a:lnRef>
+          <a:fillRef idx="1">
+            <a:schemeClr val="accent1"/>
+          </a:fillRef>
+          <a:effectRef idx="0">
+            <a:schemeClr val="accent1"/>
+          </a:effectRef>
+          <a:fontRef idx="minor">
+            <a:schemeClr val="lt1"/>
+          </a:fontRef>
+        </p:style>
+        <p:txBody>
+          <a:bodyPr rtlCol="0" anchor="ctr"/>
+          <a:lstStyle/>
+          <a:p>
+            <a:pPr algn="ctr"/>
+            <a:r>
+              <a:rPr lang="ko-KR" altLang="en-US" dirty="0">
+                <a:solidFill>
+                  <a:schemeClr val="tx1"/>
+                </a:solidFill>
+                <a:latin typeface="KoPub돋움체 Medium" panose="02020603020101020101" pitchFamily="18" charset="-127"/>
+                <a:ea typeface="KoPub돋움체 Medium" panose="02020603020101020101" pitchFamily="18" charset="-127"/>
+              </a:rPr>
+              <a:t>범주형 데이터 변환</a:t>
+            </a:r>
+          </a:p>
+        </p:txBody>
+      </p:sp>
+      <p:sp>
+        <p:nvSpPr>
+          <p:cNvPr id="19" name="직사각형 18">
+            <a:extLst>
+              <a:ext uri="{FF2B5EF4-FFF2-40B4-BE49-F238E27FC236}">
+                <a16:creationId xmlns:a16="http://schemas.microsoft.com/office/drawing/2014/main" id="{92456C24-6733-47FD-9E1A-A422632A5C33}"/>
+              </a:ext>
+            </a:extLst>
+          </p:cNvPr>
+          <p:cNvSpPr/>
+          <p:nvPr/>
+        </p:nvSpPr>
+        <p:spPr>
+          <a:xfrm>
+            <a:off x="3569148" y="2077278"/>
+            <a:ext cx="2767703" cy="3995861"/>
+          </a:xfrm>
+          <a:prstGeom prst="rect">
+            <a:avLst/>
+          </a:prstGeom>
+          <a:solidFill>
+            <a:schemeClr val="bg1">
+              <a:lumMod val="95000"/>
+            </a:schemeClr>
+          </a:solidFill>
+          <a:ln>
+            <a:noFill/>
+          </a:ln>
+        </p:spPr>
+        <p:style>
+          <a:lnRef idx="2">
+            <a:schemeClr val="accent1">
+              <a:shade val="50000"/>
+            </a:schemeClr>
+          </a:lnRef>
+          <a:fillRef idx="1">
+            <a:schemeClr val="accent1"/>
+          </a:fillRef>
+          <a:effectRef idx="0">
+            <a:schemeClr val="accent1"/>
+          </a:effectRef>
+          <a:fontRef idx="minor">
+            <a:schemeClr val="lt1"/>
+          </a:fontRef>
+        </p:style>
+        <p:txBody>
+          <a:bodyPr rtlCol="0" anchor="ctr"/>
+          <a:lstStyle/>
+          <a:p>
+            <a:r>
+              <a:rPr lang="ko-KR" altLang="en-US" dirty="0">
+                <a:solidFill>
+                  <a:schemeClr val="tx1"/>
+                </a:solidFill>
+                <a:latin typeface="KoPub돋움체 Medium" panose="02020603020101020101" pitchFamily="18" charset="-127"/>
+                <a:ea typeface="KoPub돋움체 Medium" panose="02020603020101020101" pitchFamily="18" charset="-127"/>
+              </a:rPr>
+              <a:t>사용 모델</a:t>
+            </a:r>
+            <a:endParaRPr lang="en-US" altLang="ko-KR" dirty="0">
+              <a:solidFill>
+                <a:schemeClr val="tx1"/>
+              </a:solidFill>
+              <a:latin typeface="KoPub돋움체 Medium" panose="02020603020101020101" pitchFamily="18" charset="-127"/>
+              <a:ea typeface="KoPub돋움체 Medium" panose="02020603020101020101" pitchFamily="18" charset="-127"/>
+            </a:endParaRPr>
+          </a:p>
+          <a:p>
+            <a:pPr marL="179388" indent="-179388">
+              <a:buFont typeface="Arial" panose="020B0604020202020204" pitchFamily="34" charset="0"/>
+              <a:buChar char="•"/>
+            </a:pPr>
+            <a:r>
+              <a:rPr lang="en-US" altLang="ko-KR" dirty="0">
+                <a:solidFill>
+                  <a:schemeClr val="tx1"/>
+                </a:solidFill>
+                <a:latin typeface="KoPub돋움체 Medium" panose="02020603020101020101" pitchFamily="18" charset="-127"/>
+                <a:ea typeface="KoPub돋움체 Medium" panose="02020603020101020101" pitchFamily="18" charset="-127"/>
+              </a:rPr>
+              <a:t>OLS </a:t>
+            </a:r>
+            <a:r>
+              <a:rPr lang="en-US" altLang="ko-KR" sz="1400" dirty="0">
+                <a:solidFill>
+                  <a:schemeClr val="tx1"/>
+                </a:solidFill>
+                <a:latin typeface="KoPub돋움체 Medium" panose="02020603020101020101" pitchFamily="18" charset="-127"/>
+                <a:ea typeface="KoPub돋움체 Medium" panose="02020603020101020101" pitchFamily="18" charset="-127"/>
+              </a:rPr>
+              <a:t>(Ordinary Least Squares)</a:t>
+            </a:r>
+          </a:p>
+          <a:p>
+            <a:pPr marL="179388" indent="-179388">
+              <a:buFont typeface="Arial" panose="020B0604020202020204" pitchFamily="34" charset="0"/>
+              <a:buChar char="•"/>
+            </a:pPr>
+            <a:r>
+              <a:rPr lang="en-US" altLang="ko-KR" dirty="0" err="1">
+                <a:solidFill>
+                  <a:schemeClr val="tx1"/>
+                </a:solidFill>
+                <a:latin typeface="KoPub돋움체 Medium" panose="02020603020101020101" pitchFamily="18" charset="-127"/>
+                <a:ea typeface="KoPub돋움체 Medium" panose="02020603020101020101" pitchFamily="18" charset="-127"/>
+              </a:rPr>
+              <a:t>LinearRegression</a:t>
+            </a:r>
+            <a:endParaRPr lang="en-US" altLang="ko-KR" dirty="0">
+              <a:solidFill>
+                <a:schemeClr val="tx1"/>
+              </a:solidFill>
+              <a:latin typeface="KoPub돋움체 Medium" panose="02020603020101020101" pitchFamily="18" charset="-127"/>
+              <a:ea typeface="KoPub돋움체 Medium" panose="02020603020101020101" pitchFamily="18" charset="-127"/>
+            </a:endParaRPr>
+          </a:p>
+          <a:p>
+            <a:pPr marL="179388" indent="-179388">
+              <a:buFont typeface="Arial" panose="020B0604020202020204" pitchFamily="34" charset="0"/>
+              <a:buChar char="•"/>
+            </a:pPr>
+            <a:r>
+              <a:rPr lang="en-US" altLang="ko-KR" dirty="0" err="1">
+                <a:solidFill>
+                  <a:schemeClr val="tx1"/>
+                </a:solidFill>
+                <a:latin typeface="KoPub돋움체 Medium" panose="02020603020101020101" pitchFamily="18" charset="-127"/>
+                <a:ea typeface="KoPub돋움체 Medium" panose="02020603020101020101" pitchFamily="18" charset="-127"/>
+              </a:rPr>
+              <a:t>DecisionTreeRegressor</a:t>
+            </a:r>
+            <a:endParaRPr lang="en-US" altLang="ko-KR" dirty="0">
+              <a:solidFill>
+                <a:schemeClr val="tx1"/>
+              </a:solidFill>
+              <a:latin typeface="KoPub돋움체 Medium" panose="02020603020101020101" pitchFamily="18" charset="-127"/>
+              <a:ea typeface="KoPub돋움체 Medium" panose="02020603020101020101" pitchFamily="18" charset="-127"/>
+            </a:endParaRPr>
+          </a:p>
+          <a:p>
+            <a:pPr marL="179388" indent="-179388">
+              <a:buFont typeface="Arial" panose="020B0604020202020204" pitchFamily="34" charset="0"/>
+              <a:buChar char="•"/>
+            </a:pPr>
+            <a:r>
+              <a:rPr lang="en-US" altLang="ko-KR" dirty="0" err="1">
+                <a:solidFill>
+                  <a:schemeClr val="tx1"/>
+                </a:solidFill>
+                <a:latin typeface="KoPub돋움체 Medium" panose="02020603020101020101" pitchFamily="18" charset="-127"/>
+                <a:ea typeface="KoPub돋움체 Medium" panose="02020603020101020101" pitchFamily="18" charset="-127"/>
+              </a:rPr>
+              <a:t>RandomForest</a:t>
+            </a:r>
+            <a:br>
+              <a:rPr lang="en-US" altLang="ko-KR" dirty="0">
+                <a:solidFill>
+                  <a:schemeClr val="tx1"/>
+                </a:solidFill>
+                <a:latin typeface="KoPub돋움체 Medium" panose="02020603020101020101" pitchFamily="18" charset="-127"/>
+                <a:ea typeface="KoPub돋움체 Medium" panose="02020603020101020101" pitchFamily="18" charset="-127"/>
+              </a:rPr>
+            </a:br>
+            <a:r>
+              <a:rPr lang="en-US" altLang="ko-KR" dirty="0">
+                <a:solidFill>
+                  <a:schemeClr val="tx1"/>
+                </a:solidFill>
+                <a:latin typeface="KoPub돋움체 Medium" panose="02020603020101020101" pitchFamily="18" charset="-127"/>
+                <a:ea typeface="KoPub돋움체 Medium" panose="02020603020101020101" pitchFamily="18" charset="-127"/>
+              </a:rPr>
+              <a:t>Regressor</a:t>
+            </a:r>
+          </a:p>
+          <a:p>
+            <a:pPr marL="179388" indent="-179388">
+              <a:buFont typeface="Arial" panose="020B0604020202020204" pitchFamily="34" charset="0"/>
+              <a:buChar char="•"/>
+            </a:pPr>
+            <a:r>
+              <a:rPr lang="en-US" altLang="ko-KR" dirty="0" err="1">
+                <a:solidFill>
+                  <a:schemeClr val="tx1"/>
+                </a:solidFill>
+                <a:latin typeface="KoPub돋움체 Medium" panose="02020603020101020101" pitchFamily="18" charset="-127"/>
+                <a:ea typeface="KoPub돋움체 Medium" panose="02020603020101020101" pitchFamily="18" charset="-127"/>
+              </a:rPr>
+              <a:t>GradientBoosting</a:t>
+            </a:r>
+            <a:br>
+              <a:rPr lang="en-US" altLang="ko-KR" dirty="0">
+                <a:solidFill>
+                  <a:schemeClr val="tx1"/>
+                </a:solidFill>
+                <a:latin typeface="KoPub돋움체 Medium" panose="02020603020101020101" pitchFamily="18" charset="-127"/>
+                <a:ea typeface="KoPub돋움체 Medium" panose="02020603020101020101" pitchFamily="18" charset="-127"/>
+              </a:rPr>
+            </a:br>
+            <a:r>
+              <a:rPr lang="en-US" altLang="ko-KR" dirty="0">
+                <a:solidFill>
+                  <a:schemeClr val="tx1"/>
+                </a:solidFill>
+                <a:latin typeface="KoPub돋움체 Medium" panose="02020603020101020101" pitchFamily="18" charset="-127"/>
+                <a:ea typeface="KoPub돋움체 Medium" panose="02020603020101020101" pitchFamily="18" charset="-127"/>
+              </a:rPr>
+              <a:t>Regressor</a:t>
+            </a:r>
+          </a:p>
+          <a:p>
+            <a:pPr marL="179388" indent="-179388">
+              <a:buFont typeface="Arial" panose="020B0604020202020204" pitchFamily="34" charset="0"/>
+              <a:buChar char="•"/>
+            </a:pPr>
+            <a:r>
+              <a:rPr lang="en-US" altLang="ko-KR" dirty="0" err="1">
+                <a:solidFill>
+                  <a:schemeClr val="tx1"/>
+                </a:solidFill>
+                <a:latin typeface="KoPub돋움체 Medium" panose="02020603020101020101" pitchFamily="18" charset="-127"/>
+                <a:ea typeface="KoPub돋움체 Medium" panose="02020603020101020101" pitchFamily="18" charset="-127"/>
+              </a:rPr>
+              <a:t>XGBRegressor</a:t>
+            </a:r>
+            <a:endParaRPr lang="ko-KR" altLang="en-US" dirty="0" err="1">
+              <a:solidFill>
+                <a:schemeClr val="tx1"/>
+              </a:solidFill>
+              <a:latin typeface="KoPub돋움체 Medium" panose="02020603020101020101" pitchFamily="18" charset="-127"/>
+              <a:ea typeface="KoPub돋움체 Medium" panose="02020603020101020101" pitchFamily="18" charset="-127"/>
+            </a:endParaRPr>
+          </a:p>
+        </p:txBody>
+      </p:sp>
+      <p:sp>
+        <p:nvSpPr>
+          <p:cNvPr id="24" name="직사각형 23">
+            <a:extLst>
+              <a:ext uri="{FF2B5EF4-FFF2-40B4-BE49-F238E27FC236}">
+                <a16:creationId xmlns:a16="http://schemas.microsoft.com/office/drawing/2014/main" id="{AF1720F8-9B12-4198-9EAA-73ED26A66FF0}"/>
+              </a:ext>
+            </a:extLst>
+          </p:cNvPr>
+          <p:cNvSpPr/>
+          <p:nvPr/>
+        </p:nvSpPr>
+        <p:spPr>
+          <a:xfrm>
+            <a:off x="6645274" y="2067471"/>
+            <a:ext cx="2767703" cy="4005668"/>
+          </a:xfrm>
+          <a:prstGeom prst="rect">
+            <a:avLst/>
+          </a:prstGeom>
+          <a:solidFill>
+            <a:schemeClr val="bg1">
+              <a:lumMod val="95000"/>
+            </a:schemeClr>
+          </a:solidFill>
+          <a:ln>
+            <a:noFill/>
+          </a:ln>
+        </p:spPr>
+        <p:style>
+          <a:lnRef idx="2">
+            <a:schemeClr val="accent1">
+              <a:shade val="50000"/>
+            </a:schemeClr>
+          </a:lnRef>
+          <a:fillRef idx="1">
+            <a:schemeClr val="accent1"/>
+          </a:fillRef>
+          <a:effectRef idx="0">
+            <a:schemeClr val="accent1"/>
+          </a:effectRef>
+          <a:fontRef idx="minor">
+            <a:schemeClr val="lt1"/>
+          </a:fontRef>
+        </p:style>
+        <p:txBody>
+          <a:bodyPr rtlCol="0" anchor="ctr"/>
+          <a:lstStyle/>
+          <a:p>
+            <a:pPr algn="ctr"/>
+            <a:r>
+              <a:rPr lang="en-US" altLang="ko-KR" dirty="0">
+                <a:solidFill>
+                  <a:schemeClr val="tx1"/>
+                </a:solidFill>
+                <a:latin typeface="KoPub돋움체 Medium" panose="02020603020101020101" pitchFamily="18" charset="-127"/>
+                <a:ea typeface="KoPub돋움체 Medium" panose="02020603020101020101" pitchFamily="18" charset="-127"/>
+              </a:rPr>
+              <a:t>Trouble shooting </a:t>
+            </a:r>
+            <a:r>
+              <a:rPr lang="ko-KR" altLang="en-US" dirty="0">
+                <a:solidFill>
+                  <a:schemeClr val="tx1"/>
+                </a:solidFill>
+                <a:latin typeface="KoPub돋움체 Medium" panose="02020603020101020101" pitchFamily="18" charset="-127"/>
+                <a:ea typeface="KoPub돋움체 Medium" panose="02020603020101020101" pitchFamily="18" charset="-127"/>
+              </a:rPr>
+              <a:t>이후 진행</a:t>
+            </a:r>
           </a:p>
         </p:txBody>
       </p:sp>
